--- a/stage 1 改.pptx
+++ b/stage 1 改.pptx
@@ -244,7 +244,7 @@
           <a:p>
             <a:fld id="{0E085FA6-3BB9-47BA-8D81-299A75D1B58A}" type="datetimeFigureOut">
               <a:rPr kumimoji="1" lang="ja-JP" altLang="en-US" smtClean="0"/>
-              <a:t>2025/6/17</a:t>
+              <a:t>2025/6/18</a:t>
             </a:fld>
             <a:endParaRPr kumimoji="1" lang="ja-JP" altLang="en-US"/>
           </a:p>
@@ -446,7 +446,7 @@
           <a:p>
             <a:fld id="{0E085FA6-3BB9-47BA-8D81-299A75D1B58A}" type="datetimeFigureOut">
               <a:rPr kumimoji="1" lang="ja-JP" altLang="en-US" smtClean="0"/>
-              <a:t>2025/6/17</a:t>
+              <a:t>2025/6/18</a:t>
             </a:fld>
             <a:endParaRPr kumimoji="1" lang="ja-JP" altLang="en-US"/>
           </a:p>
@@ -658,7 +658,7 @@
           <a:p>
             <a:fld id="{0E085FA6-3BB9-47BA-8D81-299A75D1B58A}" type="datetimeFigureOut">
               <a:rPr kumimoji="1" lang="ja-JP" altLang="en-US" smtClean="0"/>
-              <a:t>2025/6/17</a:t>
+              <a:t>2025/6/18</a:t>
             </a:fld>
             <a:endParaRPr kumimoji="1" lang="ja-JP" altLang="en-US"/>
           </a:p>
@@ -860,7 +860,7 @@
           <a:p>
             <a:fld id="{0E085FA6-3BB9-47BA-8D81-299A75D1B58A}" type="datetimeFigureOut">
               <a:rPr kumimoji="1" lang="ja-JP" altLang="en-US" smtClean="0"/>
-              <a:t>2025/6/17</a:t>
+              <a:t>2025/6/18</a:t>
             </a:fld>
             <a:endParaRPr kumimoji="1" lang="ja-JP" altLang="en-US"/>
           </a:p>
@@ -1106,7 +1106,7 @@
           <a:p>
             <a:fld id="{0E085FA6-3BB9-47BA-8D81-299A75D1B58A}" type="datetimeFigureOut">
               <a:rPr kumimoji="1" lang="ja-JP" altLang="en-US" smtClean="0"/>
-              <a:t>2025/6/17</a:t>
+              <a:t>2025/6/18</a:t>
             </a:fld>
             <a:endParaRPr kumimoji="1" lang="ja-JP" altLang="en-US"/>
           </a:p>
@@ -1402,7 +1402,7 @@
           <a:p>
             <a:fld id="{0E085FA6-3BB9-47BA-8D81-299A75D1B58A}" type="datetimeFigureOut">
               <a:rPr kumimoji="1" lang="ja-JP" altLang="en-US" smtClean="0"/>
-              <a:t>2025/6/17</a:t>
+              <a:t>2025/6/18</a:t>
             </a:fld>
             <a:endParaRPr kumimoji="1" lang="ja-JP" altLang="en-US"/>
           </a:p>
@@ -1833,7 +1833,7 @@
           <a:p>
             <a:fld id="{0E085FA6-3BB9-47BA-8D81-299A75D1B58A}" type="datetimeFigureOut">
               <a:rPr kumimoji="1" lang="ja-JP" altLang="en-US" smtClean="0"/>
-              <a:t>2025/6/17</a:t>
+              <a:t>2025/6/18</a:t>
             </a:fld>
             <a:endParaRPr kumimoji="1" lang="ja-JP" altLang="en-US"/>
           </a:p>
@@ -1951,7 +1951,7 @@
           <a:p>
             <a:fld id="{0E085FA6-3BB9-47BA-8D81-299A75D1B58A}" type="datetimeFigureOut">
               <a:rPr kumimoji="1" lang="ja-JP" altLang="en-US" smtClean="0"/>
-              <a:t>2025/6/17</a:t>
+              <a:t>2025/6/18</a:t>
             </a:fld>
             <a:endParaRPr kumimoji="1" lang="ja-JP" altLang="en-US"/>
           </a:p>
@@ -2046,7 +2046,7 @@
           <a:p>
             <a:fld id="{0E085FA6-3BB9-47BA-8D81-299A75D1B58A}" type="datetimeFigureOut">
               <a:rPr kumimoji="1" lang="ja-JP" altLang="en-US" smtClean="0"/>
-              <a:t>2025/6/17</a:t>
+              <a:t>2025/6/18</a:t>
             </a:fld>
             <a:endParaRPr kumimoji="1" lang="ja-JP" altLang="en-US"/>
           </a:p>
@@ -2355,7 +2355,7 @@
           <a:p>
             <a:fld id="{0E085FA6-3BB9-47BA-8D81-299A75D1B58A}" type="datetimeFigureOut">
               <a:rPr kumimoji="1" lang="ja-JP" altLang="en-US" smtClean="0"/>
-              <a:t>2025/6/17</a:t>
+              <a:t>2025/6/18</a:t>
             </a:fld>
             <a:endParaRPr kumimoji="1" lang="ja-JP" altLang="en-US"/>
           </a:p>
@@ -2608,7 +2608,7 @@
           <a:p>
             <a:fld id="{0E085FA6-3BB9-47BA-8D81-299A75D1B58A}" type="datetimeFigureOut">
               <a:rPr kumimoji="1" lang="ja-JP" altLang="en-US" smtClean="0"/>
-              <a:t>2025/6/17</a:t>
+              <a:t>2025/6/18</a:t>
             </a:fld>
             <a:endParaRPr kumimoji="1" lang="ja-JP" altLang="en-US"/>
           </a:p>
@@ -2853,7 +2853,7 @@
           <a:p>
             <a:fld id="{0E085FA6-3BB9-47BA-8D81-299A75D1B58A}" type="datetimeFigureOut">
               <a:rPr kumimoji="1" lang="ja-JP" altLang="en-US" smtClean="0"/>
-              <a:t>2025/6/17</a:t>
+              <a:t>2025/6/18</a:t>
             </a:fld>
             <a:endParaRPr kumimoji="1" lang="ja-JP" altLang="en-US"/>
           </a:p>
@@ -3922,7 +3922,7 @@
         </p:blipFill>
         <p:spPr>
           <a:xfrm>
-            <a:off x="8693570" y="2635380"/>
+            <a:off x="8693570" y="2777049"/>
             <a:ext cx="268247" cy="268247"/>
           </a:xfrm>
           <a:prstGeom prst="rect">
@@ -3946,7 +3946,7 @@
         </p:blipFill>
         <p:spPr>
           <a:xfrm>
-            <a:off x="8932069" y="2635380"/>
+            <a:off x="8932069" y="2777049"/>
             <a:ext cx="268247" cy="268247"/>
           </a:xfrm>
           <a:prstGeom prst="rect">
@@ -3970,7 +3970,7 @@
         </p:blipFill>
         <p:spPr>
           <a:xfrm>
-            <a:off x="9170568" y="2635380"/>
+            <a:off x="9170568" y="2777049"/>
             <a:ext cx="268247" cy="268247"/>
           </a:xfrm>
           <a:prstGeom prst="rect">
@@ -3994,7 +3994,7 @@
         </p:blipFill>
         <p:spPr>
           <a:xfrm>
-            <a:off x="8650811" y="2400023"/>
+            <a:off x="8650811" y="2541692"/>
             <a:ext cx="298730" cy="292633"/>
           </a:xfrm>
           <a:prstGeom prst="rect">
@@ -4018,7 +4018,7 @@
         </p:blipFill>
         <p:spPr>
           <a:xfrm>
-            <a:off x="8891888" y="2400023"/>
+            <a:off x="8891888" y="2541692"/>
             <a:ext cx="298730" cy="292633"/>
           </a:xfrm>
           <a:prstGeom prst="rect">
@@ -4042,7 +4042,7 @@
         </p:blipFill>
         <p:spPr>
           <a:xfrm>
-            <a:off x="9132965" y="2400023"/>
+            <a:off x="9132965" y="2541692"/>
             <a:ext cx="298730" cy="292633"/>
           </a:xfrm>
           <a:prstGeom prst="rect">
@@ -4066,7 +4066,7 @@
         </p:blipFill>
         <p:spPr>
           <a:xfrm>
-            <a:off x="8480701" y="2371856"/>
+            <a:off x="8480701" y="2513525"/>
             <a:ext cx="292633" cy="298730"/>
           </a:xfrm>
           <a:prstGeom prst="rect">
@@ -4090,7 +4090,7 @@
         </p:blipFill>
         <p:spPr>
           <a:xfrm>
-            <a:off x="8480701" y="2589324"/>
+            <a:off x="8480701" y="2730993"/>
             <a:ext cx="292633" cy="298730"/>
           </a:xfrm>
           <a:prstGeom prst="rect">
@@ -5938,7 +5938,7 @@
         </p:blipFill>
         <p:spPr>
           <a:xfrm>
-            <a:off x="9409067" y="2636981"/>
+            <a:off x="9409067" y="2778650"/>
             <a:ext cx="268247" cy="268247"/>
           </a:xfrm>
           <a:prstGeom prst="rect">
@@ -5962,7 +5962,7 @@
         </p:blipFill>
         <p:spPr>
           <a:xfrm>
-            <a:off x="9647566" y="2636981"/>
+            <a:off x="9647566" y="2778650"/>
             <a:ext cx="268247" cy="268247"/>
           </a:xfrm>
           <a:prstGeom prst="rect">
@@ -5986,7 +5986,7 @@
         </p:blipFill>
         <p:spPr>
           <a:xfrm>
-            <a:off x="9886065" y="2636981"/>
+            <a:off x="9886065" y="2778650"/>
             <a:ext cx="268247" cy="268247"/>
           </a:xfrm>
           <a:prstGeom prst="rect">
@@ -6010,7 +6010,7 @@
         </p:blipFill>
         <p:spPr>
           <a:xfrm>
-            <a:off x="9374042" y="2401624"/>
+            <a:off x="9374042" y="2543293"/>
             <a:ext cx="298730" cy="292633"/>
           </a:xfrm>
           <a:prstGeom prst="rect">
@@ -6034,7 +6034,7 @@
         </p:blipFill>
         <p:spPr>
           <a:xfrm>
-            <a:off x="9615119" y="2401624"/>
+            <a:off x="9615119" y="2543293"/>
             <a:ext cx="298730" cy="292633"/>
           </a:xfrm>
           <a:prstGeom prst="rect">
@@ -6058,7 +6058,7 @@
         </p:blipFill>
         <p:spPr>
           <a:xfrm>
-            <a:off x="9856196" y="2401624"/>
+            <a:off x="9856196" y="2543293"/>
             <a:ext cx="298730" cy="292633"/>
           </a:xfrm>
           <a:prstGeom prst="rect">
@@ -6082,7 +6082,7 @@
         </p:blipFill>
         <p:spPr>
           <a:xfrm>
-            <a:off x="10124564" y="2635380"/>
+            <a:off x="10137443" y="2777049"/>
             <a:ext cx="268247" cy="268247"/>
           </a:xfrm>
           <a:prstGeom prst="rect">
@@ -6106,7 +6106,7 @@
         </p:blipFill>
         <p:spPr>
           <a:xfrm>
-            <a:off x="10363063" y="2635380"/>
+            <a:off x="10388821" y="2777049"/>
             <a:ext cx="268247" cy="268247"/>
           </a:xfrm>
           <a:prstGeom prst="rect">
@@ -6130,7 +6130,7 @@
         </p:blipFill>
         <p:spPr>
           <a:xfrm>
-            <a:off x="10601562" y="2635380"/>
+            <a:off x="10627320" y="2777049"/>
             <a:ext cx="268247" cy="268247"/>
           </a:xfrm>
           <a:prstGeom prst="rect">
@@ -6154,7 +6154,7 @@
         </p:blipFill>
         <p:spPr>
           <a:xfrm>
-            <a:off x="10097273" y="2400023"/>
+            <a:off x="10110152" y="2541692"/>
             <a:ext cx="298730" cy="292633"/>
           </a:xfrm>
           <a:prstGeom prst="rect">
@@ -6178,7 +6178,7 @@
         </p:blipFill>
         <p:spPr>
           <a:xfrm>
-            <a:off x="10338350" y="2400023"/>
+            <a:off x="10364108" y="2541692"/>
             <a:ext cx="298730" cy="292633"/>
           </a:xfrm>
           <a:prstGeom prst="rect">
@@ -6202,7 +6202,7 @@
         </p:blipFill>
         <p:spPr>
           <a:xfrm>
-            <a:off x="10579427" y="2400023"/>
+            <a:off x="10605185" y="2541692"/>
             <a:ext cx="298730" cy="292633"/>
           </a:xfrm>
           <a:prstGeom prst="rect">
@@ -6226,7 +6226,7 @@
         </p:blipFill>
         <p:spPr>
           <a:xfrm>
-            <a:off x="10840064" y="2636981"/>
+            <a:off x="10878701" y="2778650"/>
             <a:ext cx="268247" cy="268247"/>
           </a:xfrm>
           <a:prstGeom prst="rect">
@@ -6250,7 +6250,7 @@
         </p:blipFill>
         <p:spPr>
           <a:xfrm>
-            <a:off x="10820502" y="2401624"/>
+            <a:off x="10859139" y="2543293"/>
             <a:ext cx="298730" cy="292633"/>
           </a:xfrm>
           <a:prstGeom prst="rect">
@@ -6274,7 +6274,7 @@
         </p:blipFill>
         <p:spPr>
           <a:xfrm>
-            <a:off x="10970004" y="1980547"/>
+            <a:off x="11060157" y="2122216"/>
             <a:ext cx="1121761" cy="969348"/>
           </a:xfrm>
           <a:prstGeom prst="rect">
@@ -7137,7 +7137,7 @@
         </p:blipFill>
         <p:spPr>
           <a:xfrm>
-            <a:off x="9084174" y="5753481"/>
+            <a:off x="9161448" y="5753481"/>
             <a:ext cx="384081" cy="384081"/>
           </a:xfrm>
           <a:prstGeom prst="rect">
@@ -7161,7 +7161,7 @@
         </p:blipFill>
         <p:spPr>
           <a:xfrm>
-            <a:off x="9877909" y="3240059"/>
+            <a:off x="9877909" y="3600671"/>
             <a:ext cx="384081" cy="384081"/>
           </a:xfrm>
           <a:prstGeom prst="rect">
@@ -7185,7 +7185,7 @@
         </p:blipFill>
         <p:spPr>
           <a:xfrm>
-            <a:off x="11315299" y="3236741"/>
+            <a:off x="11315299" y="3597353"/>
             <a:ext cx="384081" cy="384081"/>
           </a:xfrm>
           <a:prstGeom prst="rect">
@@ -7329,7 +7329,7 @@
         </p:blipFill>
         <p:spPr>
           <a:xfrm>
-            <a:off x="9896764" y="2358947"/>
+            <a:off x="9896764" y="2500616"/>
             <a:ext cx="377985" cy="377985"/>
           </a:xfrm>
           <a:prstGeom prst="rect">
@@ -7353,7 +7353,7 @@
         </p:blipFill>
         <p:spPr>
           <a:xfrm>
-            <a:off x="8441343" y="2371739"/>
+            <a:off x="8441343" y="2513408"/>
             <a:ext cx="377985" cy="377985"/>
           </a:xfrm>
           <a:prstGeom prst="rect">
@@ -7561,7 +7561,7 @@
       </p:grpSpPr>
       <p:sp>
         <p:nvSpPr>
-          <p:cNvPr id="16" name="正方形/長方形 15"/>
+          <p:cNvPr id="148" name="正方形/長方形 147"/>
           <p:cNvSpPr/>
           <p:nvPr/>
         </p:nvSpPr>
@@ -7610,7 +7610,7 @@
       </p:sp>
       <p:pic>
         <p:nvPicPr>
-          <p:cNvPr id="318" name="図 317"/>
+          <p:cNvPr id="149" name="図 148"/>
           <p:cNvPicPr>
             <a:picLocks noChangeAspect="1"/>
           </p:cNvPicPr>
@@ -7634,7 +7634,7 @@
       </p:pic>
       <p:pic>
         <p:nvPicPr>
-          <p:cNvPr id="319" name="図 318"/>
+          <p:cNvPr id="150" name="図 149"/>
           <p:cNvPicPr>
             <a:picLocks noChangeAspect="1"/>
           </p:cNvPicPr>
@@ -7657,7 +7657,7 @@
       </p:pic>
       <p:pic>
         <p:nvPicPr>
-          <p:cNvPr id="344" name="図 343"/>
+          <p:cNvPr id="151" name="図 150"/>
           <p:cNvPicPr>
             <a:picLocks noChangeAspect="1"/>
           </p:cNvPicPr>
@@ -7681,7 +7681,7 @@
       </p:pic>
       <p:pic>
         <p:nvPicPr>
-          <p:cNvPr id="345" name="図 344"/>
+          <p:cNvPr id="152" name="図 151"/>
           <p:cNvPicPr>
             <a:picLocks noChangeAspect="1"/>
           </p:cNvPicPr>
@@ -7705,7 +7705,7 @@
       </p:pic>
       <p:pic>
         <p:nvPicPr>
-          <p:cNvPr id="346" name="図 345"/>
+          <p:cNvPr id="153" name="図 152"/>
           <p:cNvPicPr>
             <a:picLocks noChangeAspect="1"/>
           </p:cNvPicPr>
@@ -7729,7 +7729,7 @@
       </p:pic>
       <p:pic>
         <p:nvPicPr>
-          <p:cNvPr id="347" name="図 346"/>
+          <p:cNvPr id="154" name="図 153"/>
           <p:cNvPicPr>
             <a:picLocks noChangeAspect="1"/>
           </p:cNvPicPr>
@@ -7753,7 +7753,7 @@
       </p:pic>
       <p:pic>
         <p:nvPicPr>
-          <p:cNvPr id="348" name="図 347"/>
+          <p:cNvPr id="155" name="図 154"/>
           <p:cNvPicPr>
             <a:picLocks noChangeAspect="1"/>
           </p:cNvPicPr>
@@ -7777,7 +7777,7 @@
       </p:pic>
       <p:pic>
         <p:nvPicPr>
-          <p:cNvPr id="349" name="図 348"/>
+          <p:cNvPr id="156" name="図 155"/>
           <p:cNvPicPr>
             <a:picLocks noChangeAspect="1"/>
           </p:cNvPicPr>
@@ -7801,7 +7801,7 @@
       </p:pic>
       <p:pic>
         <p:nvPicPr>
-          <p:cNvPr id="350" name="図 349"/>
+          <p:cNvPr id="157" name="図 156"/>
           <p:cNvPicPr>
             <a:picLocks noChangeAspect="1"/>
           </p:cNvPicPr>
@@ -7825,7 +7825,7 @@
       </p:pic>
       <p:pic>
         <p:nvPicPr>
-          <p:cNvPr id="351" name="図 350"/>
+          <p:cNvPr id="158" name="図 157"/>
           <p:cNvPicPr>
             <a:picLocks noChangeAspect="1"/>
           </p:cNvPicPr>
@@ -7849,7 +7849,7 @@
       </p:pic>
       <p:pic>
         <p:nvPicPr>
-          <p:cNvPr id="352" name="図 351"/>
+          <p:cNvPr id="161" name="図 160"/>
           <p:cNvPicPr>
             <a:picLocks noChangeAspect="1"/>
           </p:cNvPicPr>
@@ -7873,7 +7873,7 @@
       </p:pic>
       <p:pic>
         <p:nvPicPr>
-          <p:cNvPr id="353" name="図 352"/>
+          <p:cNvPr id="162" name="図 161"/>
           <p:cNvPicPr>
             <a:picLocks noChangeAspect="1"/>
           </p:cNvPicPr>
@@ -7897,7 +7897,7 @@
       </p:pic>
       <p:pic>
         <p:nvPicPr>
-          <p:cNvPr id="354" name="図 353"/>
+          <p:cNvPr id="163" name="図 162"/>
           <p:cNvPicPr>
             <a:picLocks noChangeAspect="1"/>
           </p:cNvPicPr>
@@ -7921,7 +7921,7 @@
       </p:pic>
       <p:pic>
         <p:nvPicPr>
-          <p:cNvPr id="355" name="図 354"/>
+          <p:cNvPr id="164" name="図 163"/>
           <p:cNvPicPr>
             <a:picLocks noChangeAspect="1"/>
           </p:cNvPicPr>
@@ -7945,7 +7945,7 @@
       </p:pic>
       <p:pic>
         <p:nvPicPr>
-          <p:cNvPr id="341" name="図 340"/>
+          <p:cNvPr id="165" name="図 164"/>
           <p:cNvPicPr>
             <a:picLocks noChangeAspect="1"/>
           </p:cNvPicPr>
@@ -7969,7 +7969,7 @@
       </p:pic>
       <p:pic>
         <p:nvPicPr>
-          <p:cNvPr id="342" name="図 341"/>
+          <p:cNvPr id="166" name="図 165"/>
           <p:cNvPicPr>
             <a:picLocks noChangeAspect="1"/>
           </p:cNvPicPr>
@@ -7993,7 +7993,7 @@
       </p:pic>
       <p:pic>
         <p:nvPicPr>
-          <p:cNvPr id="9" name="図 8"/>
+          <p:cNvPr id="167" name="図 166"/>
           <p:cNvPicPr>
             <a:picLocks noChangeAspect="1"/>
           </p:cNvPicPr>
@@ -8017,7 +8017,31 @@
       </p:pic>
       <p:pic>
         <p:nvPicPr>
-          <p:cNvPr id="310" name="図 309"/>
+          <p:cNvPr id="168" name="図 167"/>
+          <p:cNvPicPr>
+            <a:picLocks noChangeAspect="1"/>
+          </p:cNvPicPr>
+          <p:nvPr/>
+        </p:nvPicPr>
+        <p:blipFill>
+          <a:blip r:embed="rId6"/>
+          <a:stretch>
+            <a:fillRect/>
+          </a:stretch>
+        </p:blipFill>
+        <p:spPr>
+          <a:xfrm>
+            <a:off x="6772746" y="1632296"/>
+            <a:ext cx="445047" cy="938865"/>
+          </a:xfrm>
+          <a:prstGeom prst="rect">
+            <a:avLst/>
+          </a:prstGeom>
+        </p:spPr>
+      </p:pic>
+      <p:pic>
+        <p:nvPicPr>
+          <p:cNvPr id="169" name="図 168"/>
           <p:cNvPicPr>
             <a:picLocks noChangeAspect="1"/>
           </p:cNvPicPr>
@@ -8041,7 +8065,31 @@
       </p:pic>
       <p:pic>
         <p:nvPicPr>
-          <p:cNvPr id="312" name="図 311"/>
+          <p:cNvPr id="170" name="図 169"/>
+          <p:cNvPicPr>
+            <a:picLocks noChangeAspect="1"/>
+          </p:cNvPicPr>
+          <p:nvPr/>
+        </p:nvPicPr>
+        <p:blipFill>
+          <a:blip r:embed="rId6"/>
+          <a:stretch>
+            <a:fillRect/>
+          </a:stretch>
+        </p:blipFill>
+        <p:spPr>
+          <a:xfrm>
+            <a:off x="7593817" y="1716185"/>
+            <a:ext cx="445047" cy="938865"/>
+          </a:xfrm>
+          <a:prstGeom prst="rect">
+            <a:avLst/>
+          </a:prstGeom>
+        </p:spPr>
+      </p:pic>
+      <p:pic>
+        <p:nvPicPr>
+          <p:cNvPr id="171" name="図 170"/>
           <p:cNvPicPr>
             <a:picLocks noChangeAspect="1"/>
           </p:cNvPicPr>
@@ -8065,7 +8113,7 @@
       </p:pic>
       <p:pic>
         <p:nvPicPr>
-          <p:cNvPr id="313" name="図 312"/>
+          <p:cNvPr id="172" name="図 171"/>
           <p:cNvPicPr>
             <a:picLocks noChangeAspect="1"/>
           </p:cNvPicPr>
@@ -8089,7 +8137,7 @@
       </p:pic>
       <p:pic>
         <p:nvPicPr>
-          <p:cNvPr id="314" name="図 313"/>
+          <p:cNvPr id="173" name="図 172"/>
           <p:cNvPicPr>
             <a:picLocks noChangeAspect="1"/>
           </p:cNvPicPr>
@@ -8113,7 +8161,7 @@
       </p:pic>
       <p:pic>
         <p:nvPicPr>
-          <p:cNvPr id="315" name="図 314"/>
+          <p:cNvPr id="174" name="図 173"/>
           <p:cNvPicPr>
             <a:picLocks noChangeAspect="1"/>
           </p:cNvPicPr>
@@ -8137,7 +8185,7 @@
       </p:pic>
       <p:pic>
         <p:nvPicPr>
-          <p:cNvPr id="316" name="図 315"/>
+          <p:cNvPr id="175" name="図 174"/>
           <p:cNvPicPr>
             <a:picLocks noChangeAspect="1"/>
           </p:cNvPicPr>
@@ -8161,7 +8209,7 @@
       </p:pic>
       <p:pic>
         <p:nvPicPr>
-          <p:cNvPr id="288" name="図 287"/>
+          <p:cNvPr id="189" name="図 188"/>
           <p:cNvPicPr>
             <a:picLocks noChangeAspect="1"/>
           </p:cNvPicPr>
@@ -8175,7 +8223,7 @@
         </p:blipFill>
         <p:spPr>
           <a:xfrm>
-            <a:off x="8693570" y="2635380"/>
+            <a:off x="8693570" y="2777049"/>
             <a:ext cx="268247" cy="268247"/>
           </a:xfrm>
           <a:prstGeom prst="rect">
@@ -8185,7 +8233,7 @@
       </p:pic>
       <p:pic>
         <p:nvPicPr>
-          <p:cNvPr id="289" name="図 288"/>
+          <p:cNvPr id="193" name="図 192"/>
           <p:cNvPicPr>
             <a:picLocks noChangeAspect="1"/>
           </p:cNvPicPr>
@@ -8199,7 +8247,7 @@
         </p:blipFill>
         <p:spPr>
           <a:xfrm>
-            <a:off x="8932069" y="2635380"/>
+            <a:off x="8932069" y="2777049"/>
             <a:ext cx="268247" cy="268247"/>
           </a:xfrm>
           <a:prstGeom prst="rect">
@@ -8209,7 +8257,7 @@
       </p:pic>
       <p:pic>
         <p:nvPicPr>
-          <p:cNvPr id="290" name="図 289"/>
+          <p:cNvPr id="194" name="図 193"/>
           <p:cNvPicPr>
             <a:picLocks noChangeAspect="1"/>
           </p:cNvPicPr>
@@ -8223,7 +8271,7 @@
         </p:blipFill>
         <p:spPr>
           <a:xfrm>
-            <a:off x="9170568" y="2635380"/>
+            <a:off x="9170568" y="2777049"/>
             <a:ext cx="268247" cy="268247"/>
           </a:xfrm>
           <a:prstGeom prst="rect">
@@ -8233,7 +8281,7 @@
       </p:pic>
       <p:pic>
         <p:nvPicPr>
-          <p:cNvPr id="291" name="図 290"/>
+          <p:cNvPr id="196" name="図 195"/>
           <p:cNvPicPr>
             <a:picLocks noChangeAspect="1"/>
           </p:cNvPicPr>
@@ -8247,7 +8295,7 @@
         </p:blipFill>
         <p:spPr>
           <a:xfrm>
-            <a:off x="8650811" y="2400023"/>
+            <a:off x="8650811" y="2541692"/>
             <a:ext cx="298730" cy="292633"/>
           </a:xfrm>
           <a:prstGeom prst="rect">
@@ -8257,7 +8305,7 @@
       </p:pic>
       <p:pic>
         <p:nvPicPr>
-          <p:cNvPr id="292" name="図 291"/>
+          <p:cNvPr id="197" name="図 196"/>
           <p:cNvPicPr>
             <a:picLocks noChangeAspect="1"/>
           </p:cNvPicPr>
@@ -8271,7 +8319,7 @@
         </p:blipFill>
         <p:spPr>
           <a:xfrm>
-            <a:off x="8891888" y="2400023"/>
+            <a:off x="8891888" y="2541692"/>
             <a:ext cx="298730" cy="292633"/>
           </a:xfrm>
           <a:prstGeom prst="rect">
@@ -8281,7 +8329,7 @@
       </p:pic>
       <p:pic>
         <p:nvPicPr>
-          <p:cNvPr id="293" name="図 292"/>
+          <p:cNvPr id="198" name="図 197"/>
           <p:cNvPicPr>
             <a:picLocks noChangeAspect="1"/>
           </p:cNvPicPr>
@@ -8295,7 +8343,7 @@
         </p:blipFill>
         <p:spPr>
           <a:xfrm>
-            <a:off x="9132965" y="2400023"/>
+            <a:off x="9132965" y="2541692"/>
             <a:ext cx="298730" cy="292633"/>
           </a:xfrm>
           <a:prstGeom prst="rect">
@@ -8305,7 +8353,7 @@
       </p:pic>
       <p:pic>
         <p:nvPicPr>
-          <p:cNvPr id="284" name="図 283"/>
+          <p:cNvPr id="199" name="図 198"/>
           <p:cNvPicPr>
             <a:picLocks noChangeAspect="1"/>
           </p:cNvPicPr>
@@ -8319,7 +8367,7 @@
         </p:blipFill>
         <p:spPr>
           <a:xfrm>
-            <a:off x="8480701" y="2371856"/>
+            <a:off x="8480701" y="2513525"/>
             <a:ext cx="292633" cy="298730"/>
           </a:xfrm>
           <a:prstGeom prst="rect">
@@ -8329,7 +8377,7 @@
       </p:pic>
       <p:pic>
         <p:nvPicPr>
-          <p:cNvPr id="285" name="図 284"/>
+          <p:cNvPr id="200" name="図 199"/>
           <p:cNvPicPr>
             <a:picLocks noChangeAspect="1"/>
           </p:cNvPicPr>
@@ -8343,7 +8391,7 @@
         </p:blipFill>
         <p:spPr>
           <a:xfrm>
-            <a:off x="8480701" y="2589324"/>
+            <a:off x="8480701" y="2730993"/>
             <a:ext cx="292633" cy="298730"/>
           </a:xfrm>
           <a:prstGeom prst="rect">
@@ -8353,7 +8401,7 @@
       </p:pic>
       <p:pic>
         <p:nvPicPr>
-          <p:cNvPr id="286" name="図 285"/>
+          <p:cNvPr id="201" name="図 200"/>
           <p:cNvPicPr>
             <a:picLocks noChangeAspect="1"/>
           </p:cNvPicPr>
@@ -8377,7 +8425,7 @@
       </p:pic>
       <p:pic>
         <p:nvPicPr>
-          <p:cNvPr id="287" name="図 286"/>
+          <p:cNvPr id="202" name="図 201"/>
           <p:cNvPicPr>
             <a:picLocks noChangeAspect="1"/>
           </p:cNvPicPr>
@@ -8401,7 +8449,7 @@
       </p:pic>
       <p:pic>
         <p:nvPicPr>
-          <p:cNvPr id="281" name="図 280"/>
+          <p:cNvPr id="203" name="図 202"/>
           <p:cNvPicPr>
             <a:picLocks noChangeAspect="1"/>
           </p:cNvPicPr>
@@ -8425,7 +8473,7 @@
       </p:pic>
       <p:pic>
         <p:nvPicPr>
-          <p:cNvPr id="8" name="図 7"/>
+          <p:cNvPr id="231" name="図 230"/>
           <p:cNvPicPr>
             <a:picLocks noChangeAspect="1"/>
           </p:cNvPicPr>
@@ -8449,7 +8497,7 @@
       </p:pic>
       <p:pic>
         <p:nvPicPr>
-          <p:cNvPr id="218" name="図 217"/>
+          <p:cNvPr id="232" name="図 231"/>
           <p:cNvPicPr>
             <a:picLocks noChangeAspect="1"/>
           </p:cNvPicPr>
@@ -8473,7 +8521,7 @@
       </p:pic>
       <p:pic>
         <p:nvPicPr>
-          <p:cNvPr id="219" name="図 218"/>
+          <p:cNvPr id="233" name="図 232"/>
           <p:cNvPicPr>
             <a:picLocks noChangeAspect="1"/>
           </p:cNvPicPr>
@@ -8497,7 +8545,7 @@
       </p:pic>
       <p:pic>
         <p:nvPicPr>
-          <p:cNvPr id="220" name="図 219"/>
+          <p:cNvPr id="234" name="図 233"/>
           <p:cNvPicPr>
             <a:picLocks noChangeAspect="1"/>
           </p:cNvPicPr>
@@ -8521,7 +8569,7 @@
       </p:pic>
       <p:pic>
         <p:nvPicPr>
-          <p:cNvPr id="221" name="図 220"/>
+          <p:cNvPr id="235" name="図 234"/>
           <p:cNvPicPr>
             <a:picLocks noChangeAspect="1"/>
           </p:cNvPicPr>
@@ -8545,7 +8593,7 @@
       </p:pic>
       <p:pic>
         <p:nvPicPr>
-          <p:cNvPr id="222" name="図 221"/>
+          <p:cNvPr id="236" name="図 235"/>
           <p:cNvPicPr>
             <a:picLocks noChangeAspect="1"/>
           </p:cNvPicPr>
@@ -8569,7 +8617,7 @@
       </p:pic>
       <p:pic>
         <p:nvPicPr>
-          <p:cNvPr id="223" name="図 222"/>
+          <p:cNvPr id="237" name="図 236"/>
           <p:cNvPicPr>
             <a:picLocks noChangeAspect="1"/>
           </p:cNvPicPr>
@@ -8593,7 +8641,7 @@
       </p:pic>
       <p:pic>
         <p:nvPicPr>
-          <p:cNvPr id="224" name="図 223"/>
+          <p:cNvPr id="238" name="図 237"/>
           <p:cNvPicPr>
             <a:picLocks noChangeAspect="1"/>
           </p:cNvPicPr>
@@ -8617,7 +8665,7 @@
       </p:pic>
       <p:pic>
         <p:nvPicPr>
-          <p:cNvPr id="267" name="図 266"/>
+          <p:cNvPr id="239" name="図 238"/>
           <p:cNvPicPr>
             <a:picLocks noChangeAspect="1"/>
           </p:cNvPicPr>
@@ -8641,7 +8689,7 @@
       </p:pic>
       <p:pic>
         <p:nvPicPr>
-          <p:cNvPr id="268" name="図 267"/>
+          <p:cNvPr id="240" name="図 239"/>
           <p:cNvPicPr>
             <a:picLocks noChangeAspect="1"/>
           </p:cNvPicPr>
@@ -8665,7 +8713,7 @@
       </p:pic>
       <p:pic>
         <p:nvPicPr>
-          <p:cNvPr id="269" name="図 268"/>
+          <p:cNvPr id="241" name="図 240"/>
           <p:cNvPicPr>
             <a:picLocks noChangeAspect="1"/>
           </p:cNvPicPr>
@@ -8689,7 +8737,7 @@
       </p:pic>
       <p:pic>
         <p:nvPicPr>
-          <p:cNvPr id="270" name="図 269"/>
+          <p:cNvPr id="242" name="図 241"/>
           <p:cNvPicPr>
             <a:picLocks noChangeAspect="1"/>
           </p:cNvPicPr>
@@ -8713,7 +8761,7 @@
       </p:pic>
       <p:pic>
         <p:nvPicPr>
-          <p:cNvPr id="271" name="図 270"/>
+          <p:cNvPr id="243" name="図 242"/>
           <p:cNvPicPr>
             <a:picLocks noChangeAspect="1"/>
           </p:cNvPicPr>
@@ -8737,7 +8785,7 @@
       </p:pic>
       <p:pic>
         <p:nvPicPr>
-          <p:cNvPr id="272" name="図 271"/>
+          <p:cNvPr id="244" name="図 243"/>
           <p:cNvPicPr>
             <a:picLocks noChangeAspect="1"/>
           </p:cNvPicPr>
@@ -8761,7 +8809,7 @@
       </p:pic>
       <p:pic>
         <p:nvPicPr>
-          <p:cNvPr id="273" name="図 272"/>
+          <p:cNvPr id="245" name="図 244"/>
           <p:cNvPicPr>
             <a:picLocks noChangeAspect="1"/>
           </p:cNvPicPr>
@@ -8785,7 +8833,7 @@
       </p:pic>
       <p:pic>
         <p:nvPicPr>
-          <p:cNvPr id="274" name="図 273"/>
+          <p:cNvPr id="250" name="図 249"/>
           <p:cNvPicPr>
             <a:picLocks noChangeAspect="1"/>
           </p:cNvPicPr>
@@ -8809,7 +8857,7 @@
       </p:pic>
       <p:pic>
         <p:nvPicPr>
-          <p:cNvPr id="275" name="図 274"/>
+          <p:cNvPr id="251" name="図 250"/>
           <p:cNvPicPr>
             <a:picLocks noChangeAspect="1"/>
           </p:cNvPicPr>
@@ -8833,7 +8881,7 @@
       </p:pic>
       <p:pic>
         <p:nvPicPr>
-          <p:cNvPr id="276" name="図 275"/>
+          <p:cNvPr id="252" name="図 251"/>
           <p:cNvPicPr>
             <a:picLocks noChangeAspect="1"/>
           </p:cNvPicPr>
@@ -8857,7 +8905,7 @@
       </p:pic>
       <p:pic>
         <p:nvPicPr>
-          <p:cNvPr id="7" name="図 6"/>
+          <p:cNvPr id="253" name="図 252"/>
           <p:cNvPicPr>
             <a:picLocks noChangeAspect="1"/>
           </p:cNvPicPr>
@@ -8881,7 +8929,7 @@
       </p:pic>
       <p:pic>
         <p:nvPicPr>
-          <p:cNvPr id="176" name="図 175"/>
+          <p:cNvPr id="254" name="図 253"/>
           <p:cNvPicPr>
             <a:picLocks noChangeAspect="1"/>
           </p:cNvPicPr>
@@ -8905,7 +8953,7 @@
       </p:pic>
       <p:pic>
         <p:nvPicPr>
-          <p:cNvPr id="177" name="図 176"/>
+          <p:cNvPr id="255" name="図 254"/>
           <p:cNvPicPr>
             <a:picLocks noChangeAspect="1"/>
           </p:cNvPicPr>
@@ -8929,7 +8977,7 @@
       </p:pic>
       <p:pic>
         <p:nvPicPr>
-          <p:cNvPr id="178" name="図 177"/>
+          <p:cNvPr id="256" name="図 255"/>
           <p:cNvPicPr>
             <a:picLocks noChangeAspect="1"/>
           </p:cNvPicPr>
@@ -8953,7 +9001,7 @@
       </p:pic>
       <p:pic>
         <p:nvPicPr>
-          <p:cNvPr id="179" name="図 178"/>
+          <p:cNvPr id="265" name="図 264"/>
           <p:cNvPicPr>
             <a:picLocks noChangeAspect="1"/>
           </p:cNvPicPr>
@@ -8977,7 +9025,7 @@
       </p:pic>
       <p:pic>
         <p:nvPicPr>
-          <p:cNvPr id="180" name="図 179"/>
+          <p:cNvPr id="266" name="図 265"/>
           <p:cNvPicPr>
             <a:picLocks noChangeAspect="1"/>
           </p:cNvPicPr>
@@ -9001,7 +9049,7 @@
       </p:pic>
       <p:pic>
         <p:nvPicPr>
-          <p:cNvPr id="181" name="図 180"/>
+          <p:cNvPr id="278" name="図 277"/>
           <p:cNvPicPr>
             <a:picLocks noChangeAspect="1"/>
           </p:cNvPicPr>
@@ -9025,7 +9073,7 @@
       </p:pic>
       <p:pic>
         <p:nvPicPr>
-          <p:cNvPr id="182" name="図 181"/>
+          <p:cNvPr id="279" name="図 278"/>
           <p:cNvPicPr>
             <a:picLocks noChangeAspect="1"/>
           </p:cNvPicPr>
@@ -9049,7 +9097,7 @@
       </p:pic>
       <p:pic>
         <p:nvPicPr>
-          <p:cNvPr id="183" name="図 182"/>
+          <p:cNvPr id="280" name="図 279"/>
           <p:cNvPicPr>
             <a:picLocks noChangeAspect="1"/>
           </p:cNvPicPr>
@@ -9073,7 +9121,7 @@
       </p:pic>
       <p:pic>
         <p:nvPicPr>
-          <p:cNvPr id="184" name="図 183"/>
+          <p:cNvPr id="282" name="図 281"/>
           <p:cNvPicPr>
             <a:picLocks noChangeAspect="1"/>
           </p:cNvPicPr>
@@ -9097,7 +9145,7 @@
       </p:pic>
       <p:pic>
         <p:nvPicPr>
-          <p:cNvPr id="185" name="図 184"/>
+          <p:cNvPr id="283" name="図 282"/>
           <p:cNvPicPr>
             <a:picLocks noChangeAspect="1"/>
           </p:cNvPicPr>
@@ -9121,7 +9169,7 @@
       </p:pic>
       <p:pic>
         <p:nvPicPr>
-          <p:cNvPr id="186" name="図 185"/>
+          <p:cNvPr id="308" name="図 307"/>
           <p:cNvPicPr>
             <a:picLocks noChangeAspect="1"/>
           </p:cNvPicPr>
@@ -9145,7 +9193,7 @@
       </p:pic>
       <p:pic>
         <p:nvPicPr>
-          <p:cNvPr id="187" name="図 186"/>
+          <p:cNvPr id="309" name="図 308"/>
           <p:cNvPicPr>
             <a:picLocks noChangeAspect="1"/>
           </p:cNvPicPr>
@@ -9169,7 +9217,7 @@
       </p:pic>
       <p:pic>
         <p:nvPicPr>
-          <p:cNvPr id="188" name="図 187"/>
+          <p:cNvPr id="311" name="図 310"/>
           <p:cNvPicPr>
             <a:picLocks noChangeAspect="1"/>
           </p:cNvPicPr>
@@ -9193,7 +9241,7 @@
       </p:pic>
       <p:pic>
         <p:nvPicPr>
-          <p:cNvPr id="195" name="図 194"/>
+          <p:cNvPr id="317" name="図 316"/>
           <p:cNvPicPr>
             <a:picLocks noChangeAspect="1"/>
           </p:cNvPicPr>
@@ -9217,7 +9265,7 @@
       </p:pic>
       <p:pic>
         <p:nvPicPr>
-          <p:cNvPr id="190" name="図 189"/>
+          <p:cNvPr id="322" name="図 321"/>
           <p:cNvPicPr>
             <a:picLocks noChangeAspect="1"/>
           </p:cNvPicPr>
@@ -9241,7 +9289,7 @@
       </p:pic>
       <p:pic>
         <p:nvPicPr>
-          <p:cNvPr id="191" name="図 190"/>
+          <p:cNvPr id="326" name="図 325"/>
           <p:cNvPicPr>
             <a:picLocks noChangeAspect="1"/>
           </p:cNvPicPr>
@@ -9265,7 +9313,7 @@
       </p:pic>
       <p:pic>
         <p:nvPicPr>
-          <p:cNvPr id="192" name="図 191"/>
+          <p:cNvPr id="329" name="図 328"/>
           <p:cNvPicPr>
             <a:picLocks noChangeAspect="1"/>
           </p:cNvPicPr>
@@ -9289,7 +9337,7 @@
       </p:pic>
       <p:pic>
         <p:nvPicPr>
-          <p:cNvPr id="204" name="図 203"/>
+          <p:cNvPr id="340" name="図 339"/>
           <p:cNvPicPr>
             <a:picLocks noChangeAspect="1"/>
           </p:cNvPicPr>
@@ -9313,7 +9361,7 @@
       </p:pic>
       <p:pic>
         <p:nvPicPr>
-          <p:cNvPr id="205" name="図 204"/>
+          <p:cNvPr id="343" name="図 342"/>
           <p:cNvPicPr>
             <a:picLocks noChangeAspect="1"/>
           </p:cNvPicPr>
@@ -9337,7 +9385,7 @@
       </p:pic>
       <p:pic>
         <p:nvPicPr>
-          <p:cNvPr id="206" name="図 205"/>
+          <p:cNvPr id="356" name="図 355"/>
           <p:cNvPicPr>
             <a:picLocks noChangeAspect="1"/>
           </p:cNvPicPr>
@@ -9361,7 +9409,7 @@
       </p:pic>
       <p:pic>
         <p:nvPicPr>
-          <p:cNvPr id="207" name="図 206"/>
+          <p:cNvPr id="357" name="図 356"/>
           <p:cNvPicPr>
             <a:picLocks noChangeAspect="1"/>
           </p:cNvPicPr>
@@ -9385,7 +9433,7 @@
       </p:pic>
       <p:pic>
         <p:nvPicPr>
-          <p:cNvPr id="208" name="図 207"/>
+          <p:cNvPr id="358" name="図 357"/>
           <p:cNvPicPr>
             <a:picLocks noChangeAspect="1"/>
           </p:cNvPicPr>
@@ -9409,7 +9457,7 @@
       </p:pic>
       <p:pic>
         <p:nvPicPr>
-          <p:cNvPr id="209" name="図 208"/>
+          <p:cNvPr id="359" name="図 358"/>
           <p:cNvPicPr>
             <a:picLocks noChangeAspect="1"/>
           </p:cNvPicPr>
@@ -9433,7 +9481,7 @@
       </p:pic>
       <p:pic>
         <p:nvPicPr>
-          <p:cNvPr id="210" name="図 209"/>
+          <p:cNvPr id="360" name="図 359"/>
           <p:cNvPicPr>
             <a:picLocks noChangeAspect="1"/>
           </p:cNvPicPr>
@@ -9457,7 +9505,7 @@
       </p:pic>
       <p:pic>
         <p:nvPicPr>
-          <p:cNvPr id="211" name="図 210"/>
+          <p:cNvPr id="361" name="図 360"/>
           <p:cNvPicPr>
             <a:picLocks noChangeAspect="1"/>
           </p:cNvPicPr>
@@ -9481,7 +9529,7 @@
       </p:pic>
       <p:pic>
         <p:nvPicPr>
-          <p:cNvPr id="212" name="図 211"/>
+          <p:cNvPr id="362" name="図 361"/>
           <p:cNvPicPr>
             <a:picLocks noChangeAspect="1"/>
           </p:cNvPicPr>
@@ -9505,7 +9553,7 @@
       </p:pic>
       <p:pic>
         <p:nvPicPr>
-          <p:cNvPr id="6" name="図 5"/>
+          <p:cNvPr id="363" name="図 362"/>
           <p:cNvPicPr>
             <a:picLocks noChangeAspect="1"/>
           </p:cNvPicPr>
@@ -9529,7 +9577,7 @@
       </p:pic>
       <p:pic>
         <p:nvPicPr>
-          <p:cNvPr id="213" name="図 212"/>
+          <p:cNvPr id="364" name="図 363"/>
           <p:cNvPicPr>
             <a:picLocks noChangeAspect="1"/>
           </p:cNvPicPr>
@@ -9553,7 +9601,7 @@
       </p:pic>
       <p:pic>
         <p:nvPicPr>
-          <p:cNvPr id="214" name="図 213"/>
+          <p:cNvPr id="366" name="図 365"/>
           <p:cNvPicPr>
             <a:picLocks noChangeAspect="1"/>
           </p:cNvPicPr>
@@ -9577,7 +9625,7 @@
       </p:pic>
       <p:pic>
         <p:nvPicPr>
-          <p:cNvPr id="215" name="図 214"/>
+          <p:cNvPr id="367" name="図 366"/>
           <p:cNvPicPr>
             <a:picLocks noChangeAspect="1"/>
           </p:cNvPicPr>
@@ -9601,7 +9649,7 @@
       </p:pic>
       <p:pic>
         <p:nvPicPr>
-          <p:cNvPr id="216" name="図 215"/>
+          <p:cNvPr id="368" name="図 367"/>
           <p:cNvPicPr>
             <a:picLocks noChangeAspect="1"/>
           </p:cNvPicPr>
@@ -9625,7 +9673,7 @@
       </p:pic>
       <p:pic>
         <p:nvPicPr>
-          <p:cNvPr id="217" name="図 216"/>
+          <p:cNvPr id="369" name="図 368"/>
           <p:cNvPicPr>
             <a:picLocks noChangeAspect="1"/>
           </p:cNvPicPr>
@@ -9649,7 +9697,7 @@
       </p:pic>
       <p:pic>
         <p:nvPicPr>
-          <p:cNvPr id="225" name="図 224"/>
+          <p:cNvPr id="370" name="図 369"/>
           <p:cNvPicPr>
             <a:picLocks noChangeAspect="1"/>
           </p:cNvPicPr>
@@ -9673,7 +9721,7 @@
       </p:pic>
       <p:pic>
         <p:nvPicPr>
-          <p:cNvPr id="226" name="図 225"/>
+          <p:cNvPr id="371" name="図 370"/>
           <p:cNvPicPr>
             <a:picLocks noChangeAspect="1"/>
           </p:cNvPicPr>
@@ -9697,7 +9745,7 @@
       </p:pic>
       <p:pic>
         <p:nvPicPr>
-          <p:cNvPr id="227" name="図 226"/>
+          <p:cNvPr id="372" name="図 371"/>
           <p:cNvPicPr>
             <a:picLocks noChangeAspect="1"/>
           </p:cNvPicPr>
@@ -9721,7 +9769,7 @@
       </p:pic>
       <p:pic>
         <p:nvPicPr>
-          <p:cNvPr id="228" name="図 227"/>
+          <p:cNvPr id="373" name="図 372"/>
           <p:cNvPicPr>
             <a:picLocks noChangeAspect="1"/>
           </p:cNvPicPr>
@@ -9745,7 +9793,7 @@
       </p:pic>
       <p:pic>
         <p:nvPicPr>
-          <p:cNvPr id="229" name="図 228"/>
+          <p:cNvPr id="374" name="図 373"/>
           <p:cNvPicPr>
             <a:picLocks noChangeAspect="1"/>
           </p:cNvPicPr>
@@ -9769,7 +9817,7 @@
       </p:pic>
       <p:pic>
         <p:nvPicPr>
-          <p:cNvPr id="230" name="図 229"/>
+          <p:cNvPr id="375" name="図 374"/>
           <p:cNvPicPr>
             <a:picLocks noChangeAspect="1"/>
           </p:cNvPicPr>
@@ -9793,7 +9841,7 @@
       </p:pic>
       <p:pic>
         <p:nvPicPr>
-          <p:cNvPr id="246" name="図 245"/>
+          <p:cNvPr id="376" name="図 375"/>
           <p:cNvPicPr>
             <a:picLocks noChangeAspect="1"/>
           </p:cNvPicPr>
@@ -9817,7 +9865,7 @@
       </p:pic>
       <p:pic>
         <p:nvPicPr>
-          <p:cNvPr id="247" name="図 246"/>
+          <p:cNvPr id="377" name="図 376"/>
           <p:cNvPicPr>
             <a:picLocks noChangeAspect="1"/>
           </p:cNvPicPr>
@@ -9841,7 +9889,7 @@
       </p:pic>
       <p:pic>
         <p:nvPicPr>
-          <p:cNvPr id="248" name="図 247"/>
+          <p:cNvPr id="378" name="図 377"/>
           <p:cNvPicPr>
             <a:picLocks noChangeAspect="1"/>
           </p:cNvPicPr>
@@ -9865,7 +9913,7 @@
       </p:pic>
       <p:pic>
         <p:nvPicPr>
-          <p:cNvPr id="249" name="図 248"/>
+          <p:cNvPr id="379" name="図 378"/>
           <p:cNvPicPr>
             <a:picLocks noChangeAspect="1"/>
           </p:cNvPicPr>
@@ -9889,7 +9937,7 @@
       </p:pic>
       <p:pic>
         <p:nvPicPr>
-          <p:cNvPr id="257" name="図 256"/>
+          <p:cNvPr id="380" name="図 379"/>
           <p:cNvPicPr>
             <a:picLocks noChangeAspect="1"/>
           </p:cNvPicPr>
@@ -9913,7 +9961,7 @@
       </p:pic>
       <p:pic>
         <p:nvPicPr>
-          <p:cNvPr id="258" name="図 257"/>
+          <p:cNvPr id="381" name="図 380"/>
           <p:cNvPicPr>
             <a:picLocks noChangeAspect="1"/>
           </p:cNvPicPr>
@@ -9937,7 +9985,7 @@
       </p:pic>
       <p:pic>
         <p:nvPicPr>
-          <p:cNvPr id="259" name="図 258"/>
+          <p:cNvPr id="382" name="図 381"/>
           <p:cNvPicPr>
             <a:picLocks noChangeAspect="1"/>
           </p:cNvPicPr>
@@ -9961,7 +10009,7 @@
       </p:pic>
       <p:pic>
         <p:nvPicPr>
-          <p:cNvPr id="260" name="図 259"/>
+          <p:cNvPr id="383" name="図 382"/>
           <p:cNvPicPr>
             <a:picLocks noChangeAspect="1"/>
           </p:cNvPicPr>
@@ -9985,7 +10033,7 @@
       </p:pic>
       <p:pic>
         <p:nvPicPr>
-          <p:cNvPr id="261" name="図 260"/>
+          <p:cNvPr id="384" name="図 383"/>
           <p:cNvPicPr>
             <a:picLocks noChangeAspect="1"/>
           </p:cNvPicPr>
@@ -10009,7 +10057,7 @@
       </p:pic>
       <p:pic>
         <p:nvPicPr>
-          <p:cNvPr id="262" name="図 261"/>
+          <p:cNvPr id="385" name="図 384"/>
           <p:cNvPicPr>
             <a:picLocks noChangeAspect="1"/>
           </p:cNvPicPr>
@@ -10033,7 +10081,7 @@
       </p:pic>
       <p:pic>
         <p:nvPicPr>
-          <p:cNvPr id="263" name="図 262"/>
+          <p:cNvPr id="386" name="図 385"/>
           <p:cNvPicPr>
             <a:picLocks noChangeAspect="1"/>
           </p:cNvPicPr>
@@ -10057,7 +10105,7 @@
       </p:pic>
       <p:pic>
         <p:nvPicPr>
-          <p:cNvPr id="264" name="図 263"/>
+          <p:cNvPr id="387" name="図 386"/>
           <p:cNvPicPr>
             <a:picLocks noChangeAspect="1"/>
           </p:cNvPicPr>
@@ -10081,7 +10129,7 @@
       </p:pic>
       <p:pic>
         <p:nvPicPr>
-          <p:cNvPr id="277" name="図 276"/>
+          <p:cNvPr id="388" name="図 387"/>
           <p:cNvPicPr>
             <a:picLocks noChangeAspect="1"/>
           </p:cNvPicPr>
@@ -10105,7 +10153,7 @@
       </p:pic>
       <p:pic>
         <p:nvPicPr>
-          <p:cNvPr id="294" name="図 293"/>
+          <p:cNvPr id="390" name="図 389"/>
           <p:cNvPicPr>
             <a:picLocks noChangeAspect="1"/>
           </p:cNvPicPr>
@@ -10119,7 +10167,7 @@
         </p:blipFill>
         <p:spPr>
           <a:xfrm>
-            <a:off x="9409067" y="2636981"/>
+            <a:off x="9409067" y="2778650"/>
             <a:ext cx="268247" cy="268247"/>
           </a:xfrm>
           <a:prstGeom prst="rect">
@@ -10129,7 +10177,7 @@
       </p:pic>
       <p:pic>
         <p:nvPicPr>
-          <p:cNvPr id="295" name="図 294"/>
+          <p:cNvPr id="391" name="図 390"/>
           <p:cNvPicPr>
             <a:picLocks noChangeAspect="1"/>
           </p:cNvPicPr>
@@ -10143,7 +10191,7 @@
         </p:blipFill>
         <p:spPr>
           <a:xfrm>
-            <a:off x="9647566" y="2636981"/>
+            <a:off x="9647566" y="2778650"/>
             <a:ext cx="268247" cy="268247"/>
           </a:xfrm>
           <a:prstGeom prst="rect">
@@ -10153,7 +10201,7 @@
       </p:pic>
       <p:pic>
         <p:nvPicPr>
-          <p:cNvPr id="296" name="図 295"/>
+          <p:cNvPr id="395" name="図 394"/>
           <p:cNvPicPr>
             <a:picLocks noChangeAspect="1"/>
           </p:cNvPicPr>
@@ -10167,7 +10215,7 @@
         </p:blipFill>
         <p:spPr>
           <a:xfrm>
-            <a:off x="9886065" y="2636981"/>
+            <a:off x="9886065" y="2778650"/>
             <a:ext cx="268247" cy="268247"/>
           </a:xfrm>
           <a:prstGeom prst="rect">
@@ -10177,7 +10225,7 @@
       </p:pic>
       <p:pic>
         <p:nvPicPr>
-          <p:cNvPr id="297" name="図 296"/>
+          <p:cNvPr id="396" name="図 395"/>
           <p:cNvPicPr>
             <a:picLocks noChangeAspect="1"/>
           </p:cNvPicPr>
@@ -10191,7 +10239,7 @@
         </p:blipFill>
         <p:spPr>
           <a:xfrm>
-            <a:off x="9374042" y="2401624"/>
+            <a:off x="9374042" y="2543293"/>
             <a:ext cx="298730" cy="292633"/>
           </a:xfrm>
           <a:prstGeom prst="rect">
@@ -10201,7 +10249,7 @@
       </p:pic>
       <p:pic>
         <p:nvPicPr>
-          <p:cNvPr id="298" name="図 297"/>
+          <p:cNvPr id="397" name="図 396"/>
           <p:cNvPicPr>
             <a:picLocks noChangeAspect="1"/>
           </p:cNvPicPr>
@@ -10215,7 +10263,7 @@
         </p:blipFill>
         <p:spPr>
           <a:xfrm>
-            <a:off x="9615119" y="2401624"/>
+            <a:off x="9615119" y="2543293"/>
             <a:ext cx="298730" cy="292633"/>
           </a:xfrm>
           <a:prstGeom prst="rect">
@@ -10225,7 +10273,7 @@
       </p:pic>
       <p:pic>
         <p:nvPicPr>
-          <p:cNvPr id="299" name="図 298"/>
+          <p:cNvPr id="398" name="図 397"/>
           <p:cNvPicPr>
             <a:picLocks noChangeAspect="1"/>
           </p:cNvPicPr>
@@ -10239,7 +10287,7 @@
         </p:blipFill>
         <p:spPr>
           <a:xfrm>
-            <a:off x="9856196" y="2401624"/>
+            <a:off x="9856196" y="2543293"/>
             <a:ext cx="298730" cy="292633"/>
           </a:xfrm>
           <a:prstGeom prst="rect">
@@ -10249,7 +10297,7 @@
       </p:pic>
       <p:pic>
         <p:nvPicPr>
-          <p:cNvPr id="300" name="図 299"/>
+          <p:cNvPr id="399" name="図 398"/>
           <p:cNvPicPr>
             <a:picLocks noChangeAspect="1"/>
           </p:cNvPicPr>
@@ -10263,7 +10311,7 @@
         </p:blipFill>
         <p:spPr>
           <a:xfrm>
-            <a:off x="10124564" y="2635380"/>
+            <a:off x="10137443" y="2777049"/>
             <a:ext cx="268247" cy="268247"/>
           </a:xfrm>
           <a:prstGeom prst="rect">
@@ -10273,7 +10321,7 @@
       </p:pic>
       <p:pic>
         <p:nvPicPr>
-          <p:cNvPr id="301" name="図 300"/>
+          <p:cNvPr id="402" name="図 401"/>
           <p:cNvPicPr>
             <a:picLocks noChangeAspect="1"/>
           </p:cNvPicPr>
@@ -10287,7 +10335,7 @@
         </p:blipFill>
         <p:spPr>
           <a:xfrm>
-            <a:off x="10363063" y="2635380"/>
+            <a:off x="10388821" y="2777049"/>
             <a:ext cx="268247" cy="268247"/>
           </a:xfrm>
           <a:prstGeom prst="rect">
@@ -10297,7 +10345,7 @@
       </p:pic>
       <p:pic>
         <p:nvPicPr>
-          <p:cNvPr id="302" name="図 301"/>
+          <p:cNvPr id="403" name="図 402"/>
           <p:cNvPicPr>
             <a:picLocks noChangeAspect="1"/>
           </p:cNvPicPr>
@@ -10311,7 +10359,7 @@
         </p:blipFill>
         <p:spPr>
           <a:xfrm>
-            <a:off x="10601562" y="2635380"/>
+            <a:off x="10627320" y="2777049"/>
             <a:ext cx="268247" cy="268247"/>
           </a:xfrm>
           <a:prstGeom prst="rect">
@@ -10321,7 +10369,7 @@
       </p:pic>
       <p:pic>
         <p:nvPicPr>
-          <p:cNvPr id="303" name="図 302"/>
+          <p:cNvPr id="404" name="図 403"/>
           <p:cNvPicPr>
             <a:picLocks noChangeAspect="1"/>
           </p:cNvPicPr>
@@ -10335,7 +10383,7 @@
         </p:blipFill>
         <p:spPr>
           <a:xfrm>
-            <a:off x="10097273" y="2400023"/>
+            <a:off x="10110152" y="2541692"/>
             <a:ext cx="298730" cy="292633"/>
           </a:xfrm>
           <a:prstGeom prst="rect">
@@ -10345,7 +10393,7 @@
       </p:pic>
       <p:pic>
         <p:nvPicPr>
-          <p:cNvPr id="304" name="図 303"/>
+          <p:cNvPr id="405" name="図 404"/>
           <p:cNvPicPr>
             <a:picLocks noChangeAspect="1"/>
           </p:cNvPicPr>
@@ -10359,7 +10407,7 @@
         </p:blipFill>
         <p:spPr>
           <a:xfrm>
-            <a:off x="10338350" y="2400023"/>
+            <a:off x="10364108" y="2541692"/>
             <a:ext cx="298730" cy="292633"/>
           </a:xfrm>
           <a:prstGeom prst="rect">
@@ -10369,7 +10417,7 @@
       </p:pic>
       <p:pic>
         <p:nvPicPr>
-          <p:cNvPr id="305" name="図 304"/>
+          <p:cNvPr id="406" name="図 405"/>
           <p:cNvPicPr>
             <a:picLocks noChangeAspect="1"/>
           </p:cNvPicPr>
@@ -10383,7 +10431,7 @@
         </p:blipFill>
         <p:spPr>
           <a:xfrm>
-            <a:off x="10579427" y="2400023"/>
+            <a:off x="10605185" y="2541692"/>
             <a:ext cx="298730" cy="292633"/>
           </a:xfrm>
           <a:prstGeom prst="rect">
@@ -10393,7 +10441,7 @@
       </p:pic>
       <p:pic>
         <p:nvPicPr>
-          <p:cNvPr id="306" name="図 305"/>
+          <p:cNvPr id="407" name="図 406"/>
           <p:cNvPicPr>
             <a:picLocks noChangeAspect="1"/>
           </p:cNvPicPr>
@@ -10407,7 +10455,7 @@
         </p:blipFill>
         <p:spPr>
           <a:xfrm>
-            <a:off x="10840064" y="2636981"/>
+            <a:off x="10878701" y="2778650"/>
             <a:ext cx="268247" cy="268247"/>
           </a:xfrm>
           <a:prstGeom prst="rect">
@@ -10417,7 +10465,7 @@
       </p:pic>
       <p:pic>
         <p:nvPicPr>
-          <p:cNvPr id="307" name="図 306"/>
+          <p:cNvPr id="408" name="図 407"/>
           <p:cNvPicPr>
             <a:picLocks noChangeAspect="1"/>
           </p:cNvPicPr>
@@ -10431,7 +10479,7 @@
         </p:blipFill>
         <p:spPr>
           <a:xfrm>
-            <a:off x="10820502" y="2401624"/>
+            <a:off x="10859139" y="2543293"/>
             <a:ext cx="298730" cy="292633"/>
           </a:xfrm>
           <a:prstGeom prst="rect">
@@ -10441,7 +10489,7 @@
       </p:pic>
       <p:pic>
         <p:nvPicPr>
-          <p:cNvPr id="10" name="図 9"/>
+          <p:cNvPr id="412" name="図 411"/>
           <p:cNvPicPr>
             <a:picLocks noChangeAspect="1"/>
           </p:cNvPicPr>
@@ -10465,7 +10513,7 @@
       </p:pic>
       <p:pic>
         <p:nvPicPr>
-          <p:cNvPr id="320" name="図 319"/>
+          <p:cNvPr id="413" name="図 412"/>
           <p:cNvPicPr>
             <a:picLocks noChangeAspect="1"/>
           </p:cNvPicPr>
@@ -10489,7 +10537,7 @@
       </p:pic>
       <p:pic>
         <p:nvPicPr>
-          <p:cNvPr id="321" name="図 320"/>
+          <p:cNvPr id="415" name="図 414"/>
           <p:cNvPicPr>
             <a:picLocks noChangeAspect="1"/>
           </p:cNvPicPr>
@@ -10513,7 +10561,7 @@
       </p:pic>
       <p:pic>
         <p:nvPicPr>
-          <p:cNvPr id="323" name="図 322"/>
+          <p:cNvPr id="416" name="図 415"/>
           <p:cNvPicPr>
             <a:picLocks noChangeAspect="1"/>
           </p:cNvPicPr>
@@ -10537,7 +10585,7 @@
       </p:pic>
       <p:pic>
         <p:nvPicPr>
-          <p:cNvPr id="324" name="図 323"/>
+          <p:cNvPr id="417" name="図 416"/>
           <p:cNvPicPr>
             <a:picLocks noChangeAspect="1"/>
           </p:cNvPicPr>
@@ -10561,7 +10609,7 @@
       </p:pic>
       <p:pic>
         <p:nvPicPr>
-          <p:cNvPr id="325" name="図 324"/>
+          <p:cNvPr id="418" name="図 417"/>
           <p:cNvPicPr>
             <a:picLocks noChangeAspect="1"/>
           </p:cNvPicPr>
@@ -10585,7 +10633,7 @@
       </p:pic>
       <p:pic>
         <p:nvPicPr>
-          <p:cNvPr id="327" name="図 326"/>
+          <p:cNvPr id="419" name="図 418"/>
           <p:cNvPicPr>
             <a:picLocks noChangeAspect="1"/>
           </p:cNvPicPr>
@@ -10609,7 +10657,7 @@
       </p:pic>
       <p:pic>
         <p:nvPicPr>
-          <p:cNvPr id="328" name="図 327"/>
+          <p:cNvPr id="420" name="図 419"/>
           <p:cNvPicPr>
             <a:picLocks noChangeAspect="1"/>
           </p:cNvPicPr>
@@ -10633,7 +10681,7 @@
       </p:pic>
       <p:pic>
         <p:nvPicPr>
-          <p:cNvPr id="332" name="図 331"/>
+          <p:cNvPr id="421" name="図 420"/>
           <p:cNvPicPr>
             <a:picLocks noChangeAspect="1"/>
           </p:cNvPicPr>
@@ -10657,7 +10705,7 @@
       </p:pic>
       <p:pic>
         <p:nvPicPr>
-          <p:cNvPr id="333" name="図 332"/>
+          <p:cNvPr id="422" name="図 421"/>
           <p:cNvPicPr>
             <a:picLocks noChangeAspect="1"/>
           </p:cNvPicPr>
@@ -10681,7 +10729,7 @@
       </p:pic>
       <p:pic>
         <p:nvPicPr>
-          <p:cNvPr id="334" name="図 333"/>
+          <p:cNvPr id="423" name="図 422"/>
           <p:cNvPicPr>
             <a:picLocks noChangeAspect="1"/>
           </p:cNvPicPr>
@@ -10705,7 +10753,7 @@
       </p:pic>
       <p:pic>
         <p:nvPicPr>
-          <p:cNvPr id="335" name="図 334"/>
+          <p:cNvPr id="424" name="図 423"/>
           <p:cNvPicPr>
             <a:picLocks noChangeAspect="1"/>
           </p:cNvPicPr>
@@ -10729,7 +10777,7 @@
       </p:pic>
       <p:pic>
         <p:nvPicPr>
-          <p:cNvPr id="336" name="図 335"/>
+          <p:cNvPr id="425" name="図 424"/>
           <p:cNvPicPr>
             <a:picLocks noChangeAspect="1"/>
           </p:cNvPicPr>
@@ -10753,7 +10801,7 @@
       </p:pic>
       <p:pic>
         <p:nvPicPr>
-          <p:cNvPr id="337" name="図 336"/>
+          <p:cNvPr id="426" name="図 425"/>
           <p:cNvPicPr>
             <a:picLocks noChangeAspect="1"/>
           </p:cNvPicPr>
@@ -10777,7 +10825,7 @@
       </p:pic>
       <p:pic>
         <p:nvPicPr>
-          <p:cNvPr id="338" name="図 337"/>
+          <p:cNvPr id="427" name="図 426"/>
           <p:cNvPicPr>
             <a:picLocks noChangeAspect="1"/>
           </p:cNvPicPr>
@@ -10801,7 +10849,7 @@
       </p:pic>
       <p:pic>
         <p:nvPicPr>
-          <p:cNvPr id="339" name="図 338"/>
+          <p:cNvPr id="428" name="図 427"/>
           <p:cNvPicPr>
             <a:picLocks noChangeAspect="1"/>
           </p:cNvPicPr>
@@ -10825,7 +10873,7 @@
       </p:pic>
       <p:pic>
         <p:nvPicPr>
-          <p:cNvPr id="365" name="図 364"/>
+          <p:cNvPr id="429" name="図 428"/>
           <p:cNvPicPr>
             <a:picLocks noChangeAspect="1"/>
           </p:cNvPicPr>
@@ -10848,7 +10896,7 @@
       </p:pic>
       <p:pic>
         <p:nvPicPr>
-          <p:cNvPr id="392" name="図 391"/>
+          <p:cNvPr id="431" name="図 430"/>
           <p:cNvPicPr>
             <a:picLocks noChangeAspect="1"/>
           </p:cNvPicPr>
@@ -10872,7 +10920,7 @@
       </p:pic>
       <p:pic>
         <p:nvPicPr>
-          <p:cNvPr id="393" name="図 392"/>
+          <p:cNvPr id="432" name="図 431"/>
           <p:cNvPicPr>
             <a:picLocks noChangeAspect="1"/>
           </p:cNvPicPr>
@@ -10896,7 +10944,7 @@
       </p:pic>
       <p:pic>
         <p:nvPicPr>
-          <p:cNvPr id="394" name="図 393"/>
+          <p:cNvPr id="433" name="図 432"/>
           <p:cNvPicPr>
             <a:picLocks noChangeAspect="1"/>
           </p:cNvPicPr>
@@ -10920,7 +10968,7 @@
       </p:pic>
       <p:pic>
         <p:nvPicPr>
-          <p:cNvPr id="400" name="図 399"/>
+          <p:cNvPr id="451" name="図 450"/>
           <p:cNvPicPr>
             <a:picLocks noChangeAspect="1"/>
           </p:cNvPicPr>
@@ -10944,7 +10992,7 @@
       </p:pic>
       <p:pic>
         <p:nvPicPr>
-          <p:cNvPr id="401" name="図 400"/>
+          <p:cNvPr id="452" name="図 451"/>
           <p:cNvPicPr>
             <a:picLocks noChangeAspect="1"/>
           </p:cNvPicPr>
@@ -10968,7 +11016,7 @@
       </p:pic>
       <p:pic>
         <p:nvPicPr>
-          <p:cNvPr id="409" name="図 408"/>
+          <p:cNvPr id="458" name="図 457"/>
           <p:cNvPicPr>
             <a:picLocks noChangeAspect="1"/>
           </p:cNvPicPr>
@@ -10992,7 +11040,7 @@
       </p:pic>
       <p:pic>
         <p:nvPicPr>
-          <p:cNvPr id="410" name="図 409"/>
+          <p:cNvPr id="459" name="図 458"/>
           <p:cNvPicPr>
             <a:picLocks noChangeAspect="1"/>
           </p:cNvPicPr>
@@ -11016,7 +11064,7 @@
       </p:pic>
       <p:pic>
         <p:nvPicPr>
-          <p:cNvPr id="414" name="図 413"/>
+          <p:cNvPr id="463" name="図 462"/>
           <p:cNvPicPr>
             <a:picLocks noChangeAspect="1"/>
           </p:cNvPicPr>
@@ -11032,54 +11080,6 @@
           <a:xfrm>
             <a:off x="9877651" y="6546391"/>
             <a:ext cx="292633" cy="298730"/>
-          </a:xfrm>
-          <a:prstGeom prst="rect">
-            <a:avLst/>
-          </a:prstGeom>
-        </p:spPr>
-      </p:pic>
-      <p:pic>
-        <p:nvPicPr>
-          <p:cNvPr id="159" name="図 158"/>
-          <p:cNvPicPr>
-            <a:picLocks noChangeAspect="1"/>
-          </p:cNvPicPr>
-          <p:nvPr/>
-        </p:nvPicPr>
-        <p:blipFill>
-          <a:blip r:embed="rId6"/>
-          <a:stretch>
-            <a:fillRect/>
-          </a:stretch>
-        </p:blipFill>
-        <p:spPr>
-          <a:xfrm>
-            <a:off x="6772746" y="1632296"/>
-            <a:ext cx="445047" cy="938865"/>
-          </a:xfrm>
-          <a:prstGeom prst="rect">
-            <a:avLst/>
-          </a:prstGeom>
-        </p:spPr>
-      </p:pic>
-      <p:pic>
-        <p:nvPicPr>
-          <p:cNvPr id="160" name="図 159"/>
-          <p:cNvPicPr>
-            <a:picLocks noChangeAspect="1"/>
-          </p:cNvPicPr>
-          <p:nvPr/>
-        </p:nvPicPr>
-        <p:blipFill>
-          <a:blip r:embed="rId6"/>
-          <a:stretch>
-            <a:fillRect/>
-          </a:stretch>
-        </p:blipFill>
-        <p:spPr>
-          <a:xfrm>
-            <a:off x="7593817" y="1716185"/>
-            <a:ext cx="445047" cy="938865"/>
           </a:xfrm>
           <a:prstGeom prst="rect">
             <a:avLst/>

--- a/stage 1 改.pptx
+++ b/stage 1 改.pptx
@@ -3370,7 +3370,7 @@
         </p:blipFill>
         <p:spPr>
           <a:xfrm>
-            <a:off x="10123575" y="4564675"/>
+            <a:off x="10123575" y="4590433"/>
             <a:ext cx="268247" cy="268247"/>
           </a:xfrm>
           <a:prstGeom prst="rect">
@@ -3394,7 +3394,7 @@
         </p:blipFill>
         <p:spPr>
           <a:xfrm>
-            <a:off x="10390717" y="4564675"/>
+            <a:off x="10390717" y="4590433"/>
             <a:ext cx="268247" cy="268247"/>
           </a:xfrm>
           <a:prstGeom prst="rect">
@@ -3418,7 +3418,7 @@
         </p:blipFill>
         <p:spPr>
           <a:xfrm>
-            <a:off x="10657859" y="4564675"/>
+            <a:off x="10657859" y="4590433"/>
             <a:ext cx="268247" cy="268247"/>
           </a:xfrm>
           <a:prstGeom prst="rect">
@@ -3442,7 +3442,7 @@
         </p:blipFill>
         <p:spPr>
           <a:xfrm>
-            <a:off x="10080816" y="4329318"/>
+            <a:off x="10080816" y="4355076"/>
             <a:ext cx="298730" cy="292633"/>
           </a:xfrm>
           <a:prstGeom prst="rect">
@@ -3466,7 +3466,7 @@
         </p:blipFill>
         <p:spPr>
           <a:xfrm>
-            <a:off x="10350106" y="4329318"/>
+            <a:off x="10350106" y="4355076"/>
             <a:ext cx="298730" cy="292633"/>
           </a:xfrm>
           <a:prstGeom prst="rect">
@@ -3490,7 +3490,7 @@
         </p:blipFill>
         <p:spPr>
           <a:xfrm>
-            <a:off x="10619396" y="4329318"/>
+            <a:off x="10619396" y="4355076"/>
             <a:ext cx="298730" cy="292633"/>
           </a:xfrm>
           <a:prstGeom prst="rect">
@@ -3514,7 +3514,7 @@
         </p:blipFill>
         <p:spPr>
           <a:xfrm>
-            <a:off x="10925001" y="4566276"/>
+            <a:off x="10925001" y="4592034"/>
             <a:ext cx="268247" cy="268247"/>
           </a:xfrm>
           <a:prstGeom prst="rect">
@@ -3538,7 +3538,7 @@
         </p:blipFill>
         <p:spPr>
           <a:xfrm>
-            <a:off x="11192143" y="4566276"/>
+            <a:off x="11192143" y="4592034"/>
             <a:ext cx="268247" cy="268247"/>
           </a:xfrm>
           <a:prstGeom prst="rect">
@@ -3562,7 +3562,7 @@
         </p:blipFill>
         <p:spPr>
           <a:xfrm>
-            <a:off x="11459285" y="4566276"/>
+            <a:off x="11459285" y="4592034"/>
             <a:ext cx="268247" cy="268247"/>
           </a:xfrm>
           <a:prstGeom prst="rect">
@@ -3586,7 +3586,7 @@
         </p:blipFill>
         <p:spPr>
           <a:xfrm>
-            <a:off x="10888686" y="4330919"/>
+            <a:off x="10888686" y="4356677"/>
             <a:ext cx="298730" cy="292633"/>
           </a:xfrm>
           <a:prstGeom prst="rect">
@@ -3610,7 +3610,7 @@
         </p:blipFill>
         <p:spPr>
           <a:xfrm>
-            <a:off x="11157976" y="4330919"/>
+            <a:off x="11157976" y="4356677"/>
             <a:ext cx="298730" cy="292633"/>
           </a:xfrm>
           <a:prstGeom prst="rect">
@@ -3634,7 +3634,7 @@
         </p:blipFill>
         <p:spPr>
           <a:xfrm>
-            <a:off x="11427266" y="4330919"/>
+            <a:off x="11427266" y="4356677"/>
             <a:ext cx="298730" cy="292633"/>
           </a:xfrm>
           <a:prstGeom prst="rect">
@@ -3658,7 +3658,7 @@
         </p:blipFill>
         <p:spPr>
           <a:xfrm>
-            <a:off x="9877651" y="4303316"/>
+            <a:off x="9918053" y="4329074"/>
             <a:ext cx="292633" cy="298730"/>
           </a:xfrm>
           <a:prstGeom prst="rect">
@@ -3682,7 +3682,7 @@
         </p:blipFill>
         <p:spPr>
           <a:xfrm>
-            <a:off x="9877651" y="4520784"/>
+            <a:off x="9918053" y="4546542"/>
             <a:ext cx="292633" cy="298730"/>
           </a:xfrm>
           <a:prstGeom prst="rect">
@@ -4066,7 +4066,7 @@
         </p:blipFill>
         <p:spPr>
           <a:xfrm>
-            <a:off x="8480701" y="2513525"/>
+            <a:off x="8476913" y="2513525"/>
             <a:ext cx="292633" cy="298730"/>
           </a:xfrm>
           <a:prstGeom prst="rect">
@@ -4090,7 +4090,7 @@
         </p:blipFill>
         <p:spPr>
           <a:xfrm>
-            <a:off x="8480701" y="2730993"/>
+            <a:off x="8476913" y="2730993"/>
             <a:ext cx="292633" cy="298730"/>
           </a:xfrm>
           <a:prstGeom prst="rect">
@@ -4114,7 +4114,7 @@
         </p:blipFill>
         <p:spPr>
           <a:xfrm>
-            <a:off x="8480701" y="2806792"/>
+            <a:off x="8476913" y="2806792"/>
             <a:ext cx="292633" cy="298730"/>
           </a:xfrm>
           <a:prstGeom prst="rect">
@@ -4138,7 +4138,7 @@
         </p:blipFill>
         <p:spPr>
           <a:xfrm>
-            <a:off x="8480701" y="3024260"/>
+            <a:off x="8476913" y="3024260"/>
             <a:ext cx="292633" cy="298730"/>
           </a:xfrm>
           <a:prstGeom prst="rect">
@@ -4162,7 +4162,7 @@
         </p:blipFill>
         <p:spPr>
           <a:xfrm>
-            <a:off x="8480123" y="5246278"/>
+            <a:off x="8476335" y="5246278"/>
             <a:ext cx="268247" cy="268247"/>
           </a:xfrm>
           <a:prstGeom prst="rect">
@@ -4210,7 +4210,7 @@
         </p:blipFill>
         <p:spPr>
           <a:xfrm>
-            <a:off x="4451176" y="3512813"/>
+            <a:off x="4425418" y="3512813"/>
             <a:ext cx="268247" cy="268247"/>
           </a:xfrm>
           <a:prstGeom prst="rect">
@@ -4570,7 +4570,7 @@
         </p:blipFill>
         <p:spPr>
           <a:xfrm>
-            <a:off x="8210720" y="3512813"/>
+            <a:off x="8236478" y="3512813"/>
             <a:ext cx="268247" cy="268247"/>
           </a:xfrm>
           <a:prstGeom prst="rect">
@@ -4594,7 +4594,7 @@
         </p:blipFill>
         <p:spPr>
           <a:xfrm>
-            <a:off x="7982296" y="3512813"/>
+            <a:off x="7995175" y="3512813"/>
             <a:ext cx="268247" cy="268247"/>
           </a:xfrm>
           <a:prstGeom prst="rect">
@@ -4954,7 +4954,7 @@
         </p:blipFill>
         <p:spPr>
           <a:xfrm>
-            <a:off x="4212865" y="3921957"/>
+            <a:off x="4174228" y="3921957"/>
             <a:ext cx="268247" cy="268247"/>
           </a:xfrm>
           <a:prstGeom prst="rect">
@@ -4978,7 +4978,7 @@
         </p:blipFill>
         <p:spPr>
           <a:xfrm>
-            <a:off x="4200673" y="3219843"/>
+            <a:off x="4162036" y="3219843"/>
             <a:ext cx="292633" cy="298730"/>
           </a:xfrm>
           <a:prstGeom prst="rect">
@@ -5002,7 +5002,7 @@
         </p:blipFill>
         <p:spPr>
           <a:xfrm>
-            <a:off x="4200673" y="3441871"/>
+            <a:off x="4162036" y="3441871"/>
             <a:ext cx="292633" cy="298730"/>
           </a:xfrm>
           <a:prstGeom prst="rect">
@@ -5026,7 +5026,7 @@
         </p:blipFill>
         <p:spPr>
           <a:xfrm>
-            <a:off x="4200673" y="3663898"/>
+            <a:off x="4162036" y="3663898"/>
             <a:ext cx="292633" cy="298730"/>
           </a:xfrm>
           <a:prstGeom prst="rect">
@@ -5074,7 +5074,7 @@
         </p:blipFill>
         <p:spPr>
           <a:xfrm>
-            <a:off x="4197601" y="4613205"/>
+            <a:off x="4158964" y="4613205"/>
             <a:ext cx="292633" cy="298730"/>
           </a:xfrm>
           <a:prstGeom prst="rect">
@@ -5098,7 +5098,7 @@
         </p:blipFill>
         <p:spPr>
           <a:xfrm>
-            <a:off x="4197601" y="4830673"/>
+            <a:off x="4158964" y="4830673"/>
             <a:ext cx="292633" cy="298730"/>
           </a:xfrm>
           <a:prstGeom prst="rect">
@@ -5122,7 +5122,7 @@
         </p:blipFill>
         <p:spPr>
           <a:xfrm>
-            <a:off x="4197601" y="5048141"/>
+            <a:off x="4158964" y="5048141"/>
             <a:ext cx="292633" cy="298730"/>
           </a:xfrm>
           <a:prstGeom prst="rect">
@@ -5146,7 +5146,7 @@
         </p:blipFill>
         <p:spPr>
           <a:xfrm>
-            <a:off x="4197601" y="5265609"/>
+            <a:off x="4158964" y="5265609"/>
             <a:ext cx="292633" cy="298730"/>
           </a:xfrm>
           <a:prstGeom prst="rect">
@@ -5170,7 +5170,7 @@
         </p:blipFill>
         <p:spPr>
           <a:xfrm>
-            <a:off x="4197601" y="5483077"/>
+            <a:off x="4158964" y="5483077"/>
             <a:ext cx="292633" cy="298730"/>
           </a:xfrm>
           <a:prstGeom prst="rect">
@@ -5194,7 +5194,7 @@
         </p:blipFill>
         <p:spPr>
           <a:xfrm>
-            <a:off x="4197601" y="5700545"/>
+            <a:off x="4158964" y="5700545"/>
             <a:ext cx="292633" cy="298730"/>
           </a:xfrm>
           <a:prstGeom prst="rect">
@@ -5218,7 +5218,7 @@
         </p:blipFill>
         <p:spPr>
           <a:xfrm>
-            <a:off x="4197601" y="5918013"/>
+            <a:off x="4158964" y="5918013"/>
             <a:ext cx="292633" cy="298730"/>
           </a:xfrm>
           <a:prstGeom prst="rect">
@@ -5242,7 +5242,7 @@
         </p:blipFill>
         <p:spPr>
           <a:xfrm>
-            <a:off x="4197601" y="6135481"/>
+            <a:off x="4158964" y="6135481"/>
             <a:ext cx="292633" cy="298730"/>
           </a:xfrm>
           <a:prstGeom prst="rect">
@@ -5266,7 +5266,7 @@
         </p:blipFill>
         <p:spPr>
           <a:xfrm>
-            <a:off x="4197601" y="6352949"/>
+            <a:off x="4158964" y="6352949"/>
             <a:ext cx="292633" cy="298730"/>
           </a:xfrm>
           <a:prstGeom prst="rect">
@@ -5290,7 +5290,7 @@
         </p:blipFill>
         <p:spPr>
           <a:xfrm>
-            <a:off x="4197601" y="6570417"/>
+            <a:off x="4158964" y="6570417"/>
             <a:ext cx="292633" cy="298730"/>
           </a:xfrm>
           <a:prstGeom prst="rect">
@@ -5314,7 +5314,7 @@
         </p:blipFill>
         <p:spPr>
           <a:xfrm>
-            <a:off x="4438436" y="3280037"/>
+            <a:off x="4412678" y="3280037"/>
             <a:ext cx="298730" cy="292633"/>
           </a:xfrm>
           <a:prstGeom prst="rect">
@@ -5650,7 +5650,7 @@
         </p:blipFill>
         <p:spPr>
           <a:xfrm>
-            <a:off x="7944260" y="3277456"/>
+            <a:off x="7957139" y="3277456"/>
             <a:ext cx="298730" cy="292633"/>
           </a:xfrm>
           <a:prstGeom prst="rect">
@@ -5674,7 +5674,7 @@
         </p:blipFill>
         <p:spPr>
           <a:xfrm>
-            <a:off x="8199736" y="3277456"/>
+            <a:off x="8225494" y="3277456"/>
             <a:ext cx="298730" cy="292633"/>
           </a:xfrm>
           <a:prstGeom prst="rect">
@@ -5698,7 +5698,7 @@
         </p:blipFill>
         <p:spPr>
           <a:xfrm>
-            <a:off x="8480737" y="3227135"/>
+            <a:off x="8476949" y="3227135"/>
             <a:ext cx="292633" cy="298730"/>
           </a:xfrm>
           <a:prstGeom prst="rect">
@@ -5722,7 +5722,7 @@
         </p:blipFill>
         <p:spPr>
           <a:xfrm>
-            <a:off x="8480737" y="3444603"/>
+            <a:off x="8476949" y="3444603"/>
             <a:ext cx="292633" cy="298730"/>
           </a:xfrm>
           <a:prstGeom prst="rect">
@@ -5746,7 +5746,7 @@
         </p:blipFill>
         <p:spPr>
           <a:xfrm>
-            <a:off x="8480737" y="3662071"/>
+            <a:off x="8476949" y="3662071"/>
             <a:ext cx="292633" cy="298730"/>
           </a:xfrm>
           <a:prstGeom prst="rect">
@@ -5770,7 +5770,7 @@
         </p:blipFill>
         <p:spPr>
           <a:xfrm>
-            <a:off x="8480737" y="3879539"/>
+            <a:off x="8476949" y="3879539"/>
             <a:ext cx="292633" cy="298730"/>
           </a:xfrm>
           <a:prstGeom prst="rect">
@@ -5794,7 +5794,7 @@
         </p:blipFill>
         <p:spPr>
           <a:xfrm>
-            <a:off x="8480737" y="4097007"/>
+            <a:off x="8476949" y="4097007"/>
             <a:ext cx="292633" cy="298730"/>
           </a:xfrm>
           <a:prstGeom prst="rect">
@@ -5818,7 +5818,7 @@
         </p:blipFill>
         <p:spPr>
           <a:xfrm>
-            <a:off x="8480737" y="4314475"/>
+            <a:off x="8476949" y="4314475"/>
             <a:ext cx="292633" cy="298730"/>
           </a:xfrm>
           <a:prstGeom prst="rect">
@@ -5842,7 +5842,7 @@
         </p:blipFill>
         <p:spPr>
           <a:xfrm>
-            <a:off x="8480737" y="4531943"/>
+            <a:off x="8476949" y="4531943"/>
             <a:ext cx="292633" cy="298730"/>
           </a:xfrm>
           <a:prstGeom prst="rect">
@@ -5866,7 +5866,7 @@
         </p:blipFill>
         <p:spPr>
           <a:xfrm>
-            <a:off x="8480737" y="4749411"/>
+            <a:off x="8476949" y="4749411"/>
             <a:ext cx="292633" cy="298730"/>
           </a:xfrm>
           <a:prstGeom prst="rect">
@@ -5890,7 +5890,7 @@
         </p:blipFill>
         <p:spPr>
           <a:xfrm>
-            <a:off x="8480737" y="4978187"/>
+            <a:off x="8476949" y="4978187"/>
             <a:ext cx="292633" cy="298730"/>
           </a:xfrm>
           <a:prstGeom prst="rect">
@@ -5914,7 +5914,7 @@
         </p:blipFill>
         <p:spPr>
           <a:xfrm>
-            <a:off x="8245856" y="5079589"/>
+            <a:off x="8258735" y="5079589"/>
             <a:ext cx="780356" cy="1146147"/>
           </a:xfrm>
           <a:prstGeom prst="rect">
@@ -6490,7 +6490,7 @@
         </p:blipFill>
         <p:spPr>
           <a:xfrm>
-            <a:off x="9877651" y="4755101"/>
+            <a:off x="9918053" y="4755101"/>
             <a:ext cx="292633" cy="298730"/>
           </a:xfrm>
           <a:prstGeom prst="rect">
@@ -6514,7 +6514,7 @@
         </p:blipFill>
         <p:spPr>
           <a:xfrm>
-            <a:off x="9877651" y="4985448"/>
+            <a:off x="9918053" y="4985448"/>
             <a:ext cx="292633" cy="298730"/>
           </a:xfrm>
           <a:prstGeom prst="rect">
@@ -6538,7 +6538,7 @@
         </p:blipFill>
         <p:spPr>
           <a:xfrm>
-            <a:off x="9877651" y="5202916"/>
+            <a:off x="9918053" y="5202916"/>
             <a:ext cx="292633" cy="298730"/>
           </a:xfrm>
           <a:prstGeom prst="rect">
@@ -6562,7 +6562,7 @@
         </p:blipFill>
         <p:spPr>
           <a:xfrm>
-            <a:off x="9877651" y="5433263"/>
+            <a:off x="9918053" y="5433263"/>
             <a:ext cx="292633" cy="298730"/>
           </a:xfrm>
           <a:prstGeom prst="rect">
@@ -6586,7 +6586,7 @@
         </p:blipFill>
         <p:spPr>
           <a:xfrm>
-            <a:off x="9877651" y="5650731"/>
+            <a:off x="9918053" y="5650731"/>
             <a:ext cx="292633" cy="298730"/>
           </a:xfrm>
           <a:prstGeom prst="rect">
@@ -6610,7 +6610,7 @@
         </p:blipFill>
         <p:spPr>
           <a:xfrm>
-            <a:off x="9877651" y="5868199"/>
+            <a:off x="9918053" y="5868199"/>
             <a:ext cx="292633" cy="298730"/>
           </a:xfrm>
           <a:prstGeom prst="rect">
@@ -6634,7 +6634,7 @@
         </p:blipFill>
         <p:spPr>
           <a:xfrm>
-            <a:off x="9877651" y="6098826"/>
+            <a:off x="9918053" y="6098826"/>
             <a:ext cx="292633" cy="298730"/>
           </a:xfrm>
           <a:prstGeom prst="rect">
@@ -6658,7 +6658,7 @@
         </p:blipFill>
         <p:spPr>
           <a:xfrm>
-            <a:off x="9877651" y="6316294"/>
+            <a:off x="9918053" y="6316294"/>
             <a:ext cx="292633" cy="298730"/>
           </a:xfrm>
           <a:prstGeom prst="rect">
@@ -6681,8 +6681,8 @@
         </p:blipFill>
         <p:spPr>
           <a:xfrm rot="16200000">
-            <a:off x="10160716" y="4829081"/>
-            <a:ext cx="2038483" cy="2019347"/>
+            <a:off x="10186474" y="4854838"/>
+            <a:ext cx="2038483" cy="1967831"/>
           </a:xfrm>
           <a:prstGeom prst="rect">
             <a:avLst/>
@@ -6705,7 +6705,7 @@
         </p:blipFill>
         <p:spPr>
           <a:xfrm>
-            <a:off x="8465332" y="5904571"/>
+            <a:off x="8461544" y="5904571"/>
             <a:ext cx="292633" cy="298730"/>
           </a:xfrm>
           <a:prstGeom prst="rect">
@@ -6729,7 +6729,7 @@
         </p:blipFill>
         <p:spPr>
           <a:xfrm>
-            <a:off x="8465332" y="6122039"/>
+            <a:off x="8461544" y="6122039"/>
             <a:ext cx="292633" cy="298730"/>
           </a:xfrm>
           <a:prstGeom prst="rect">
@@ -6753,7 +6753,7 @@
         </p:blipFill>
         <p:spPr>
           <a:xfrm>
-            <a:off x="8465332" y="6339507"/>
+            <a:off x="8461544" y="6339507"/>
             <a:ext cx="292633" cy="298730"/>
           </a:xfrm>
           <a:prstGeom prst="rect">
@@ -6777,7 +6777,7 @@
         </p:blipFill>
         <p:spPr>
           <a:xfrm>
-            <a:off x="8465332" y="6556975"/>
+            <a:off x="8461544" y="6556975"/>
             <a:ext cx="292633" cy="298730"/>
           </a:xfrm>
           <a:prstGeom prst="rect">
@@ -6849,7 +6849,7 @@
         </p:blipFill>
         <p:spPr>
           <a:xfrm>
-            <a:off x="8434162" y="4305769"/>
+            <a:off x="8430374" y="4305769"/>
             <a:ext cx="377985" cy="377985"/>
           </a:xfrm>
           <a:prstGeom prst="rect">
@@ -6897,7 +6897,7 @@
         </p:blipFill>
         <p:spPr>
           <a:xfrm>
-            <a:off x="6312116" y="4307172"/>
+            <a:off x="6251084" y="4330541"/>
             <a:ext cx="384081" cy="384081"/>
           </a:xfrm>
           <a:prstGeom prst="rect">
@@ -7161,7 +7161,7 @@
         </p:blipFill>
         <p:spPr>
           <a:xfrm>
-            <a:off x="9877909" y="3600671"/>
+            <a:off x="9877909" y="3587790"/>
             <a:ext cx="384081" cy="384081"/>
           </a:xfrm>
           <a:prstGeom prst="rect">
@@ -7209,7 +7209,7 @@
         </p:blipFill>
         <p:spPr>
           <a:xfrm>
-            <a:off x="11726426" y="4563598"/>
+            <a:off x="11726426" y="4589356"/>
             <a:ext cx="268247" cy="268247"/>
           </a:xfrm>
           <a:prstGeom prst="rect">
@@ -7233,7 +7233,7 @@
         </p:blipFill>
         <p:spPr>
           <a:xfrm>
-            <a:off x="11696557" y="4328241"/>
+            <a:off x="11696557" y="4353999"/>
             <a:ext cx="298730" cy="292633"/>
           </a:xfrm>
           <a:prstGeom prst="rect">
@@ -7257,7 +7257,7 @@
         </p:blipFill>
         <p:spPr>
           <a:xfrm>
-            <a:off x="11303261" y="4293379"/>
+            <a:off x="11303261" y="4319137"/>
             <a:ext cx="377985" cy="377985"/>
           </a:xfrm>
           <a:prstGeom prst="rect">
@@ -7281,7 +7281,7 @@
         </p:blipFill>
         <p:spPr>
           <a:xfrm>
-            <a:off x="9851013" y="5744484"/>
+            <a:off x="9853924" y="5755937"/>
             <a:ext cx="377985" cy="377985"/>
           </a:xfrm>
           <a:prstGeom prst="rect">
@@ -7305,7 +7305,7 @@
         </p:blipFill>
         <p:spPr>
           <a:xfrm>
-            <a:off x="9873557" y="4297806"/>
+            <a:off x="9875322" y="4323564"/>
             <a:ext cx="377985" cy="377985"/>
           </a:xfrm>
           <a:prstGeom prst="rect">
@@ -7353,7 +7353,7 @@
         </p:blipFill>
         <p:spPr>
           <a:xfrm>
-            <a:off x="8441343" y="2513408"/>
+            <a:off x="8437555" y="2513408"/>
             <a:ext cx="377985" cy="377985"/>
           </a:xfrm>
           <a:prstGeom prst="rect">
@@ -7377,7 +7377,7 @@
         </p:blipFill>
         <p:spPr>
           <a:xfrm>
-            <a:off x="11930690" y="4562426"/>
+            <a:off x="11930690" y="4588184"/>
             <a:ext cx="268247" cy="268247"/>
           </a:xfrm>
           <a:prstGeom prst="rect">
@@ -7401,7 +7401,7 @@
         </p:blipFill>
         <p:spPr>
           <a:xfrm>
-            <a:off x="11900821" y="4327069"/>
+            <a:off x="11900821" y="4352827"/>
             <a:ext cx="298730" cy="292633"/>
           </a:xfrm>
           <a:prstGeom prst="rect">
@@ -7497,7 +7497,7 @@
         </p:blipFill>
         <p:spPr>
           <a:xfrm>
-            <a:off x="9877651" y="6546391"/>
+            <a:off x="9918053" y="6546391"/>
             <a:ext cx="292633" cy="298730"/>
           </a:xfrm>
           <a:prstGeom prst="rect">
@@ -7529,6 +7529,330 @@
           </a:prstGeom>
         </p:spPr>
       </p:pic>
+      <p:pic>
+        <p:nvPicPr>
+          <p:cNvPr id="232" name="図 231"/>
+          <p:cNvPicPr>
+            <a:picLocks noChangeAspect="1"/>
+          </p:cNvPicPr>
+          <p:nvPr/>
+        </p:nvPicPr>
+        <p:blipFill>
+          <a:blip r:embed="rId12"/>
+          <a:stretch>
+            <a:fillRect/>
+          </a:stretch>
+        </p:blipFill>
+        <p:spPr>
+          <a:xfrm>
+            <a:off x="4125481" y="5770587"/>
+            <a:ext cx="377985" cy="377985"/>
+          </a:xfrm>
+          <a:prstGeom prst="rect">
+            <a:avLst/>
+          </a:prstGeom>
+        </p:spPr>
+      </p:pic>
+      <p:grpSp>
+        <p:nvGrpSpPr>
+          <p:cNvPr id="11" name="グループ化 10"/>
+          <p:cNvGrpSpPr/>
+          <p:nvPr/>
+        </p:nvGrpSpPr>
+        <p:grpSpPr>
+          <a:xfrm>
+            <a:off x="12420355" y="759639"/>
+            <a:ext cx="720000" cy="1438739"/>
+            <a:chOff x="10403874" y="1990906"/>
+            <a:chExt cx="720000" cy="1438739"/>
+          </a:xfrm>
+        </p:grpSpPr>
+        <p:grpSp>
+          <p:nvGrpSpPr>
+            <p:cNvPr id="3" name="グループ化 2"/>
+            <p:cNvGrpSpPr/>
+            <p:nvPr/>
+          </p:nvGrpSpPr>
+          <p:grpSpPr>
+            <a:xfrm>
+              <a:off x="10403874" y="1990906"/>
+              <a:ext cx="720000" cy="720000"/>
+              <a:chOff x="9702673" y="5595651"/>
+              <a:chExt cx="720000" cy="720000"/>
+            </a:xfrm>
+          </p:grpSpPr>
+          <p:sp>
+            <p:nvSpPr>
+              <p:cNvPr id="2" name="正方形/長方形 1"/>
+              <p:cNvSpPr/>
+              <p:nvPr/>
+            </p:nvSpPr>
+            <p:spPr>
+              <a:xfrm>
+                <a:off x="9702673" y="5595651"/>
+                <a:ext cx="720000" cy="720000"/>
+              </a:xfrm>
+              <a:prstGeom prst="rect">
+                <a:avLst/>
+              </a:prstGeom>
+              <a:solidFill>
+                <a:srgbClr val="5B9BD5">
+                  <a:alpha val="49020"/>
+                </a:srgbClr>
+              </a:solidFill>
+              <a:ln>
+                <a:noFill/>
+              </a:ln>
+            </p:spPr>
+            <p:style>
+              <a:lnRef idx="2">
+                <a:schemeClr val="accent1">
+                  <a:shade val="50000"/>
+                </a:schemeClr>
+              </a:lnRef>
+              <a:fillRef idx="1">
+                <a:schemeClr val="accent1"/>
+              </a:fillRef>
+              <a:effectRef idx="0">
+                <a:schemeClr val="accent1"/>
+              </a:effectRef>
+              <a:fontRef idx="minor">
+                <a:schemeClr val="lt1"/>
+              </a:fontRef>
+            </p:style>
+            <p:txBody>
+              <a:bodyPr rtlCol="0" anchor="ctr"/>
+              <a:lstStyle/>
+              <a:p>
+                <a:pPr algn="ctr"/>
+                <a:endParaRPr kumimoji="1" lang="ja-JP" altLang="en-US"/>
+              </a:p>
+            </p:txBody>
+          </p:sp>
+          <p:pic>
+            <p:nvPicPr>
+              <p:cNvPr id="233" name="図 232"/>
+              <p:cNvPicPr>
+                <a:picLocks noChangeAspect="1"/>
+              </p:cNvPicPr>
+              <p:nvPr/>
+            </p:nvPicPr>
+            <p:blipFill>
+              <a:blip r:embed="rId10"/>
+              <a:stretch>
+                <a:fillRect/>
+              </a:stretch>
+            </p:blipFill>
+            <p:spPr>
+              <a:xfrm>
+                <a:off x="9870633" y="5763611"/>
+                <a:ext cx="384081" cy="384081"/>
+              </a:xfrm>
+              <a:prstGeom prst="rect">
+                <a:avLst/>
+              </a:prstGeom>
+            </p:spPr>
+          </p:pic>
+        </p:grpSp>
+        <p:grpSp>
+          <p:nvGrpSpPr>
+            <p:cNvPr id="234" name="グループ化 233"/>
+            <p:cNvGrpSpPr/>
+            <p:nvPr/>
+          </p:nvGrpSpPr>
+          <p:grpSpPr>
+            <a:xfrm>
+              <a:off x="10403874" y="2709645"/>
+              <a:ext cx="720000" cy="720000"/>
+              <a:chOff x="9702673" y="5595651"/>
+              <a:chExt cx="720000" cy="720000"/>
+            </a:xfrm>
+          </p:grpSpPr>
+          <p:sp>
+            <p:nvSpPr>
+              <p:cNvPr id="235" name="正方形/長方形 234"/>
+              <p:cNvSpPr/>
+              <p:nvPr/>
+            </p:nvSpPr>
+            <p:spPr>
+              <a:xfrm>
+                <a:off x="9702673" y="5595651"/>
+                <a:ext cx="720000" cy="720000"/>
+              </a:xfrm>
+              <a:prstGeom prst="rect">
+                <a:avLst/>
+              </a:prstGeom>
+              <a:solidFill>
+                <a:srgbClr val="5B9BD5">
+                  <a:alpha val="49020"/>
+                </a:srgbClr>
+              </a:solidFill>
+              <a:ln>
+                <a:noFill/>
+              </a:ln>
+            </p:spPr>
+            <p:style>
+              <a:lnRef idx="2">
+                <a:schemeClr val="accent1">
+                  <a:shade val="50000"/>
+                </a:schemeClr>
+              </a:lnRef>
+              <a:fillRef idx="1">
+                <a:schemeClr val="accent1"/>
+              </a:fillRef>
+              <a:effectRef idx="0">
+                <a:schemeClr val="accent1"/>
+              </a:effectRef>
+              <a:fontRef idx="minor">
+                <a:schemeClr val="lt1"/>
+              </a:fontRef>
+            </p:style>
+            <p:txBody>
+              <a:bodyPr rtlCol="0" anchor="ctr"/>
+              <a:lstStyle/>
+              <a:p>
+                <a:pPr algn="ctr"/>
+                <a:endParaRPr kumimoji="1" lang="ja-JP" altLang="en-US"/>
+              </a:p>
+            </p:txBody>
+          </p:sp>
+          <p:pic>
+            <p:nvPicPr>
+              <p:cNvPr id="236" name="図 235"/>
+              <p:cNvPicPr>
+                <a:picLocks noChangeAspect="1"/>
+              </p:cNvPicPr>
+              <p:nvPr/>
+            </p:nvPicPr>
+            <p:blipFill>
+              <a:blip r:embed="rId10"/>
+              <a:stretch>
+                <a:fillRect/>
+              </a:stretch>
+            </p:blipFill>
+            <p:spPr>
+              <a:xfrm>
+                <a:off x="9870633" y="5763611"/>
+                <a:ext cx="384081" cy="384081"/>
+              </a:xfrm>
+              <a:prstGeom prst="rect">
+                <a:avLst/>
+              </a:prstGeom>
+            </p:spPr>
+          </p:pic>
+        </p:grpSp>
+        <p:pic>
+          <p:nvPicPr>
+            <p:cNvPr id="237" name="図 236"/>
+            <p:cNvPicPr>
+              <a:picLocks noChangeAspect="1"/>
+            </p:cNvPicPr>
+            <p:nvPr/>
+          </p:nvPicPr>
+          <p:blipFill>
+            <a:blip r:embed="rId12"/>
+            <a:stretch>
+              <a:fillRect/>
+            </a:stretch>
+          </p:blipFill>
+          <p:spPr>
+            <a:xfrm>
+              <a:off x="10574882" y="2519852"/>
+              <a:ext cx="377985" cy="377985"/>
+            </a:xfrm>
+            <a:prstGeom prst="rect">
+              <a:avLst/>
+            </a:prstGeom>
+          </p:spPr>
+        </p:pic>
+      </p:grpSp>
+      <p:grpSp>
+        <p:nvGrpSpPr>
+          <p:cNvPr id="12" name="グループ化 11"/>
+          <p:cNvGrpSpPr/>
+          <p:nvPr/>
+        </p:nvGrpSpPr>
+        <p:grpSpPr>
+          <a:xfrm>
+            <a:off x="12474526" y="2357380"/>
+            <a:ext cx="720000" cy="720000"/>
+            <a:chOff x="10556274" y="2143306"/>
+            <a:chExt cx="720000" cy="720000"/>
+          </a:xfrm>
+        </p:grpSpPr>
+        <p:sp>
+          <p:nvSpPr>
+            <p:cNvPr id="238" name="正方形/長方形 237"/>
+            <p:cNvSpPr/>
+            <p:nvPr/>
+          </p:nvSpPr>
+          <p:spPr>
+            <a:xfrm>
+              <a:off x="10556274" y="2143306"/>
+              <a:ext cx="720000" cy="720000"/>
+            </a:xfrm>
+            <a:prstGeom prst="rect">
+              <a:avLst/>
+            </a:prstGeom>
+            <a:solidFill>
+              <a:srgbClr val="5B9BD5">
+                <a:alpha val="49020"/>
+              </a:srgbClr>
+            </a:solidFill>
+            <a:ln>
+              <a:noFill/>
+            </a:ln>
+          </p:spPr>
+          <p:style>
+            <a:lnRef idx="2">
+              <a:schemeClr val="accent1">
+                <a:shade val="50000"/>
+              </a:schemeClr>
+            </a:lnRef>
+            <a:fillRef idx="1">
+              <a:schemeClr val="accent1"/>
+            </a:fillRef>
+            <a:effectRef idx="0">
+              <a:schemeClr val="accent1"/>
+            </a:effectRef>
+            <a:fontRef idx="minor">
+              <a:schemeClr val="lt1"/>
+            </a:fontRef>
+          </p:style>
+          <p:txBody>
+            <a:bodyPr rtlCol="0" anchor="ctr"/>
+            <a:lstStyle/>
+            <a:p>
+              <a:pPr algn="ctr"/>
+              <a:endParaRPr kumimoji="1" lang="ja-JP" altLang="en-US"/>
+            </a:p>
+          </p:txBody>
+        </p:sp>
+        <p:pic>
+          <p:nvPicPr>
+            <p:cNvPr id="239" name="図 238"/>
+            <p:cNvPicPr>
+              <a:picLocks noChangeAspect="1"/>
+            </p:cNvPicPr>
+            <p:nvPr/>
+          </p:nvPicPr>
+          <p:blipFill>
+            <a:blip r:embed="rId10"/>
+            <a:stretch>
+              <a:fillRect/>
+            </a:stretch>
+          </p:blipFill>
+          <p:spPr>
+            <a:xfrm>
+              <a:off x="10724234" y="2311266"/>
+              <a:ext cx="384081" cy="384081"/>
+            </a:xfrm>
+            <a:prstGeom prst="rect">
+              <a:avLst/>
+            </a:prstGeom>
+          </p:spPr>
+        </p:pic>
+      </p:grpSp>
     </p:spTree>
     <p:extLst>
       <p:ext uri="{BB962C8B-B14F-4D97-AF65-F5344CB8AC3E}">
@@ -7561,7 +7885,7 @@
       </p:grpSpPr>
       <p:sp>
         <p:nvSpPr>
-          <p:cNvPr id="148" name="正方形/長方形 147"/>
+          <p:cNvPr id="660" name="正方形/長方形 659"/>
           <p:cNvSpPr/>
           <p:nvPr/>
         </p:nvSpPr>
@@ -7610,7 +7934,7 @@
       </p:sp>
       <p:pic>
         <p:nvPicPr>
-          <p:cNvPr id="149" name="図 148"/>
+          <p:cNvPr id="661" name="図 660"/>
           <p:cNvPicPr>
             <a:picLocks noChangeAspect="1"/>
           </p:cNvPicPr>
@@ -7634,7 +7958,7 @@
       </p:pic>
       <p:pic>
         <p:nvPicPr>
-          <p:cNvPr id="150" name="図 149"/>
+          <p:cNvPr id="662" name="図 661"/>
           <p:cNvPicPr>
             <a:picLocks noChangeAspect="1"/>
           </p:cNvPicPr>
@@ -7657,7 +7981,7 @@
       </p:pic>
       <p:pic>
         <p:nvPicPr>
-          <p:cNvPr id="151" name="図 150"/>
+          <p:cNvPr id="663" name="図 662"/>
           <p:cNvPicPr>
             <a:picLocks noChangeAspect="1"/>
           </p:cNvPicPr>
@@ -7671,7 +7995,7 @@
         </p:blipFill>
         <p:spPr>
           <a:xfrm>
-            <a:off x="10123575" y="4564675"/>
+            <a:off x="10123575" y="4590433"/>
             <a:ext cx="268247" cy="268247"/>
           </a:xfrm>
           <a:prstGeom prst="rect">
@@ -7681,7 +8005,7 @@
       </p:pic>
       <p:pic>
         <p:nvPicPr>
-          <p:cNvPr id="152" name="図 151"/>
+          <p:cNvPr id="664" name="図 663"/>
           <p:cNvPicPr>
             <a:picLocks noChangeAspect="1"/>
           </p:cNvPicPr>
@@ -7695,7 +8019,7 @@
         </p:blipFill>
         <p:spPr>
           <a:xfrm>
-            <a:off x="10390717" y="4564675"/>
+            <a:off x="10390717" y="4590433"/>
             <a:ext cx="268247" cy="268247"/>
           </a:xfrm>
           <a:prstGeom prst="rect">
@@ -7705,7 +8029,7 @@
       </p:pic>
       <p:pic>
         <p:nvPicPr>
-          <p:cNvPr id="153" name="図 152"/>
+          <p:cNvPr id="665" name="図 664"/>
           <p:cNvPicPr>
             <a:picLocks noChangeAspect="1"/>
           </p:cNvPicPr>
@@ -7719,7 +8043,7 @@
         </p:blipFill>
         <p:spPr>
           <a:xfrm>
-            <a:off x="10657859" y="4564675"/>
+            <a:off x="10657859" y="4590433"/>
             <a:ext cx="268247" cy="268247"/>
           </a:xfrm>
           <a:prstGeom prst="rect">
@@ -7729,7 +8053,7 @@
       </p:pic>
       <p:pic>
         <p:nvPicPr>
-          <p:cNvPr id="154" name="図 153"/>
+          <p:cNvPr id="666" name="図 665"/>
           <p:cNvPicPr>
             <a:picLocks noChangeAspect="1"/>
           </p:cNvPicPr>
@@ -7743,7 +8067,7 @@
         </p:blipFill>
         <p:spPr>
           <a:xfrm>
-            <a:off x="10080816" y="4329318"/>
+            <a:off x="10080816" y="4355076"/>
             <a:ext cx="298730" cy="292633"/>
           </a:xfrm>
           <a:prstGeom prst="rect">
@@ -7753,7 +8077,7 @@
       </p:pic>
       <p:pic>
         <p:nvPicPr>
-          <p:cNvPr id="155" name="図 154"/>
+          <p:cNvPr id="667" name="図 666"/>
           <p:cNvPicPr>
             <a:picLocks noChangeAspect="1"/>
           </p:cNvPicPr>
@@ -7767,7 +8091,7 @@
         </p:blipFill>
         <p:spPr>
           <a:xfrm>
-            <a:off x="10350106" y="4329318"/>
+            <a:off x="10350106" y="4355076"/>
             <a:ext cx="298730" cy="292633"/>
           </a:xfrm>
           <a:prstGeom prst="rect">
@@ -7777,7 +8101,7 @@
       </p:pic>
       <p:pic>
         <p:nvPicPr>
-          <p:cNvPr id="156" name="図 155"/>
+          <p:cNvPr id="668" name="図 667"/>
           <p:cNvPicPr>
             <a:picLocks noChangeAspect="1"/>
           </p:cNvPicPr>
@@ -7791,7 +8115,7 @@
         </p:blipFill>
         <p:spPr>
           <a:xfrm>
-            <a:off x="10619396" y="4329318"/>
+            <a:off x="10619396" y="4355076"/>
             <a:ext cx="298730" cy="292633"/>
           </a:xfrm>
           <a:prstGeom prst="rect">
@@ -7801,7 +8125,7 @@
       </p:pic>
       <p:pic>
         <p:nvPicPr>
-          <p:cNvPr id="157" name="図 156"/>
+          <p:cNvPr id="669" name="図 668"/>
           <p:cNvPicPr>
             <a:picLocks noChangeAspect="1"/>
           </p:cNvPicPr>
@@ -7815,7 +8139,7 @@
         </p:blipFill>
         <p:spPr>
           <a:xfrm>
-            <a:off x="10925001" y="4566276"/>
+            <a:off x="10925001" y="4592034"/>
             <a:ext cx="268247" cy="268247"/>
           </a:xfrm>
           <a:prstGeom prst="rect">
@@ -7825,7 +8149,7 @@
       </p:pic>
       <p:pic>
         <p:nvPicPr>
-          <p:cNvPr id="158" name="図 157"/>
+          <p:cNvPr id="670" name="図 669"/>
           <p:cNvPicPr>
             <a:picLocks noChangeAspect="1"/>
           </p:cNvPicPr>
@@ -7839,7 +8163,7 @@
         </p:blipFill>
         <p:spPr>
           <a:xfrm>
-            <a:off x="11192143" y="4566276"/>
+            <a:off x="11192143" y="4592034"/>
             <a:ext cx="268247" cy="268247"/>
           </a:xfrm>
           <a:prstGeom prst="rect">
@@ -7849,7 +8173,7 @@
       </p:pic>
       <p:pic>
         <p:nvPicPr>
-          <p:cNvPr id="161" name="図 160"/>
+          <p:cNvPr id="671" name="図 670"/>
           <p:cNvPicPr>
             <a:picLocks noChangeAspect="1"/>
           </p:cNvPicPr>
@@ -7863,7 +8187,7 @@
         </p:blipFill>
         <p:spPr>
           <a:xfrm>
-            <a:off x="11459285" y="4566276"/>
+            <a:off x="11459285" y="4592034"/>
             <a:ext cx="268247" cy="268247"/>
           </a:xfrm>
           <a:prstGeom prst="rect">
@@ -7873,7 +8197,7 @@
       </p:pic>
       <p:pic>
         <p:nvPicPr>
-          <p:cNvPr id="162" name="図 161"/>
+          <p:cNvPr id="672" name="図 671"/>
           <p:cNvPicPr>
             <a:picLocks noChangeAspect="1"/>
           </p:cNvPicPr>
@@ -7887,7 +8211,7 @@
         </p:blipFill>
         <p:spPr>
           <a:xfrm>
-            <a:off x="10888686" y="4330919"/>
+            <a:off x="10888686" y="4356677"/>
             <a:ext cx="298730" cy="292633"/>
           </a:xfrm>
           <a:prstGeom prst="rect">
@@ -7897,7 +8221,7 @@
       </p:pic>
       <p:pic>
         <p:nvPicPr>
-          <p:cNvPr id="163" name="図 162"/>
+          <p:cNvPr id="673" name="図 672"/>
           <p:cNvPicPr>
             <a:picLocks noChangeAspect="1"/>
           </p:cNvPicPr>
@@ -7911,7 +8235,7 @@
         </p:blipFill>
         <p:spPr>
           <a:xfrm>
-            <a:off x="11157976" y="4330919"/>
+            <a:off x="11157976" y="4356677"/>
             <a:ext cx="298730" cy="292633"/>
           </a:xfrm>
           <a:prstGeom prst="rect">
@@ -7921,7 +8245,7 @@
       </p:pic>
       <p:pic>
         <p:nvPicPr>
-          <p:cNvPr id="164" name="図 163"/>
+          <p:cNvPr id="674" name="図 673"/>
           <p:cNvPicPr>
             <a:picLocks noChangeAspect="1"/>
           </p:cNvPicPr>
@@ -7935,7 +8259,7 @@
         </p:blipFill>
         <p:spPr>
           <a:xfrm>
-            <a:off x="11427266" y="4330919"/>
+            <a:off x="11427266" y="4356677"/>
             <a:ext cx="298730" cy="292633"/>
           </a:xfrm>
           <a:prstGeom prst="rect">
@@ -7945,7 +8269,7 @@
       </p:pic>
       <p:pic>
         <p:nvPicPr>
-          <p:cNvPr id="165" name="図 164"/>
+          <p:cNvPr id="675" name="図 674"/>
           <p:cNvPicPr>
             <a:picLocks noChangeAspect="1"/>
           </p:cNvPicPr>
@@ -7959,7 +8283,7 @@
         </p:blipFill>
         <p:spPr>
           <a:xfrm>
-            <a:off x="9877651" y="4303316"/>
+            <a:off x="9918053" y="4329074"/>
             <a:ext cx="292633" cy="298730"/>
           </a:xfrm>
           <a:prstGeom prst="rect">
@@ -7969,7 +8293,7 @@
       </p:pic>
       <p:pic>
         <p:nvPicPr>
-          <p:cNvPr id="166" name="図 165"/>
+          <p:cNvPr id="676" name="図 675"/>
           <p:cNvPicPr>
             <a:picLocks noChangeAspect="1"/>
           </p:cNvPicPr>
@@ -7983,7 +8307,7 @@
         </p:blipFill>
         <p:spPr>
           <a:xfrm>
-            <a:off x="9877651" y="4520784"/>
+            <a:off x="9918053" y="4546542"/>
             <a:ext cx="292633" cy="298730"/>
           </a:xfrm>
           <a:prstGeom prst="rect">
@@ -7993,7 +8317,7 @@
       </p:pic>
       <p:pic>
         <p:nvPicPr>
-          <p:cNvPr id="167" name="図 166"/>
+          <p:cNvPr id="677" name="図 676"/>
           <p:cNvPicPr>
             <a:picLocks noChangeAspect="1"/>
           </p:cNvPicPr>
@@ -8017,7 +8341,7 @@
       </p:pic>
       <p:pic>
         <p:nvPicPr>
-          <p:cNvPr id="168" name="図 167"/>
+          <p:cNvPr id="678" name="図 677"/>
           <p:cNvPicPr>
             <a:picLocks noChangeAspect="1"/>
           </p:cNvPicPr>
@@ -8041,7 +8365,7 @@
       </p:pic>
       <p:pic>
         <p:nvPicPr>
-          <p:cNvPr id="169" name="図 168"/>
+          <p:cNvPr id="679" name="図 678"/>
           <p:cNvPicPr>
             <a:picLocks noChangeAspect="1"/>
           </p:cNvPicPr>
@@ -8065,7 +8389,7 @@
       </p:pic>
       <p:pic>
         <p:nvPicPr>
-          <p:cNvPr id="170" name="図 169"/>
+          <p:cNvPr id="680" name="図 679"/>
           <p:cNvPicPr>
             <a:picLocks noChangeAspect="1"/>
           </p:cNvPicPr>
@@ -8089,7 +8413,7 @@
       </p:pic>
       <p:pic>
         <p:nvPicPr>
-          <p:cNvPr id="171" name="図 170"/>
+          <p:cNvPr id="681" name="図 680"/>
           <p:cNvPicPr>
             <a:picLocks noChangeAspect="1"/>
           </p:cNvPicPr>
@@ -8113,7 +8437,7 @@
       </p:pic>
       <p:pic>
         <p:nvPicPr>
-          <p:cNvPr id="172" name="図 171"/>
+          <p:cNvPr id="682" name="図 681"/>
           <p:cNvPicPr>
             <a:picLocks noChangeAspect="1"/>
           </p:cNvPicPr>
@@ -8137,7 +8461,7 @@
       </p:pic>
       <p:pic>
         <p:nvPicPr>
-          <p:cNvPr id="173" name="図 172"/>
+          <p:cNvPr id="683" name="図 682"/>
           <p:cNvPicPr>
             <a:picLocks noChangeAspect="1"/>
           </p:cNvPicPr>
@@ -8161,7 +8485,7 @@
       </p:pic>
       <p:pic>
         <p:nvPicPr>
-          <p:cNvPr id="174" name="図 173"/>
+          <p:cNvPr id="684" name="図 683"/>
           <p:cNvPicPr>
             <a:picLocks noChangeAspect="1"/>
           </p:cNvPicPr>
@@ -8185,7 +8509,7 @@
       </p:pic>
       <p:pic>
         <p:nvPicPr>
-          <p:cNvPr id="175" name="図 174"/>
+          <p:cNvPr id="685" name="図 684"/>
           <p:cNvPicPr>
             <a:picLocks noChangeAspect="1"/>
           </p:cNvPicPr>
@@ -8209,7 +8533,7 @@
       </p:pic>
       <p:pic>
         <p:nvPicPr>
-          <p:cNvPr id="189" name="図 188"/>
+          <p:cNvPr id="686" name="図 685"/>
           <p:cNvPicPr>
             <a:picLocks noChangeAspect="1"/>
           </p:cNvPicPr>
@@ -8233,7 +8557,7 @@
       </p:pic>
       <p:pic>
         <p:nvPicPr>
-          <p:cNvPr id="193" name="図 192"/>
+          <p:cNvPr id="687" name="図 686"/>
           <p:cNvPicPr>
             <a:picLocks noChangeAspect="1"/>
           </p:cNvPicPr>
@@ -8257,7 +8581,7 @@
       </p:pic>
       <p:pic>
         <p:nvPicPr>
-          <p:cNvPr id="194" name="図 193"/>
+          <p:cNvPr id="688" name="図 687"/>
           <p:cNvPicPr>
             <a:picLocks noChangeAspect="1"/>
           </p:cNvPicPr>
@@ -8281,7 +8605,7 @@
       </p:pic>
       <p:pic>
         <p:nvPicPr>
-          <p:cNvPr id="196" name="図 195"/>
+          <p:cNvPr id="689" name="図 688"/>
           <p:cNvPicPr>
             <a:picLocks noChangeAspect="1"/>
           </p:cNvPicPr>
@@ -8305,7 +8629,7 @@
       </p:pic>
       <p:pic>
         <p:nvPicPr>
-          <p:cNvPr id="197" name="図 196"/>
+          <p:cNvPr id="690" name="図 689"/>
           <p:cNvPicPr>
             <a:picLocks noChangeAspect="1"/>
           </p:cNvPicPr>
@@ -8329,7 +8653,7 @@
       </p:pic>
       <p:pic>
         <p:nvPicPr>
-          <p:cNvPr id="198" name="図 197"/>
+          <p:cNvPr id="691" name="図 690"/>
           <p:cNvPicPr>
             <a:picLocks noChangeAspect="1"/>
           </p:cNvPicPr>
@@ -8353,7 +8677,7 @@
       </p:pic>
       <p:pic>
         <p:nvPicPr>
-          <p:cNvPr id="199" name="図 198"/>
+          <p:cNvPr id="692" name="図 691"/>
           <p:cNvPicPr>
             <a:picLocks noChangeAspect="1"/>
           </p:cNvPicPr>
@@ -8367,7 +8691,7 @@
         </p:blipFill>
         <p:spPr>
           <a:xfrm>
-            <a:off x="8480701" y="2513525"/>
+            <a:off x="8476913" y="2513525"/>
             <a:ext cx="292633" cy="298730"/>
           </a:xfrm>
           <a:prstGeom prst="rect">
@@ -8377,7 +8701,7 @@
       </p:pic>
       <p:pic>
         <p:nvPicPr>
-          <p:cNvPr id="200" name="図 199"/>
+          <p:cNvPr id="693" name="図 692"/>
           <p:cNvPicPr>
             <a:picLocks noChangeAspect="1"/>
           </p:cNvPicPr>
@@ -8391,7 +8715,7 @@
         </p:blipFill>
         <p:spPr>
           <a:xfrm>
-            <a:off x="8480701" y="2730993"/>
+            <a:off x="8476913" y="2730993"/>
             <a:ext cx="292633" cy="298730"/>
           </a:xfrm>
           <a:prstGeom prst="rect">
@@ -8401,7 +8725,7 @@
       </p:pic>
       <p:pic>
         <p:nvPicPr>
-          <p:cNvPr id="201" name="図 200"/>
+          <p:cNvPr id="694" name="図 693"/>
           <p:cNvPicPr>
             <a:picLocks noChangeAspect="1"/>
           </p:cNvPicPr>
@@ -8415,7 +8739,7 @@
         </p:blipFill>
         <p:spPr>
           <a:xfrm>
-            <a:off x="8480701" y="2806792"/>
+            <a:off x="8476913" y="2806792"/>
             <a:ext cx="292633" cy="298730"/>
           </a:xfrm>
           <a:prstGeom prst="rect">
@@ -8425,7 +8749,7 @@
       </p:pic>
       <p:pic>
         <p:nvPicPr>
-          <p:cNvPr id="202" name="図 201"/>
+          <p:cNvPr id="695" name="図 694"/>
           <p:cNvPicPr>
             <a:picLocks noChangeAspect="1"/>
           </p:cNvPicPr>
@@ -8439,7 +8763,7 @@
         </p:blipFill>
         <p:spPr>
           <a:xfrm>
-            <a:off x="8480701" y="3024260"/>
+            <a:off x="8476913" y="3024260"/>
             <a:ext cx="292633" cy="298730"/>
           </a:xfrm>
           <a:prstGeom prst="rect">
@@ -8449,7 +8773,7 @@
       </p:pic>
       <p:pic>
         <p:nvPicPr>
-          <p:cNvPr id="203" name="図 202"/>
+          <p:cNvPr id="696" name="図 695"/>
           <p:cNvPicPr>
             <a:picLocks noChangeAspect="1"/>
           </p:cNvPicPr>
@@ -8463,7 +8787,7 @@
         </p:blipFill>
         <p:spPr>
           <a:xfrm>
-            <a:off x="8480123" y="5246278"/>
+            <a:off x="8476335" y="5246278"/>
             <a:ext cx="268247" cy="268247"/>
           </a:xfrm>
           <a:prstGeom prst="rect">
@@ -8473,7 +8797,7 @@
       </p:pic>
       <p:pic>
         <p:nvPicPr>
-          <p:cNvPr id="231" name="図 230"/>
+          <p:cNvPr id="697" name="図 696"/>
           <p:cNvPicPr>
             <a:picLocks noChangeAspect="1"/>
           </p:cNvPicPr>
@@ -8497,7 +8821,7 @@
       </p:pic>
       <p:pic>
         <p:nvPicPr>
-          <p:cNvPr id="232" name="図 231"/>
+          <p:cNvPr id="698" name="図 697"/>
           <p:cNvPicPr>
             <a:picLocks noChangeAspect="1"/>
           </p:cNvPicPr>
@@ -8511,7 +8835,7 @@
         </p:blipFill>
         <p:spPr>
           <a:xfrm>
-            <a:off x="4451176" y="3512813"/>
+            <a:off x="4425418" y="3512813"/>
             <a:ext cx="268247" cy="268247"/>
           </a:xfrm>
           <a:prstGeom prst="rect">
@@ -8521,7 +8845,7 @@
       </p:pic>
       <p:pic>
         <p:nvPicPr>
-          <p:cNvPr id="233" name="図 232"/>
+          <p:cNvPr id="699" name="図 698"/>
           <p:cNvPicPr>
             <a:picLocks noChangeAspect="1"/>
           </p:cNvPicPr>
@@ -8545,7 +8869,7 @@
       </p:pic>
       <p:pic>
         <p:nvPicPr>
-          <p:cNvPr id="234" name="図 233"/>
+          <p:cNvPr id="700" name="図 699"/>
           <p:cNvPicPr>
             <a:picLocks noChangeAspect="1"/>
           </p:cNvPicPr>
@@ -8569,7 +8893,7 @@
       </p:pic>
       <p:pic>
         <p:nvPicPr>
-          <p:cNvPr id="235" name="図 234"/>
+          <p:cNvPr id="701" name="図 700"/>
           <p:cNvPicPr>
             <a:picLocks noChangeAspect="1"/>
           </p:cNvPicPr>
@@ -8593,7 +8917,7 @@
       </p:pic>
       <p:pic>
         <p:nvPicPr>
-          <p:cNvPr id="236" name="図 235"/>
+          <p:cNvPr id="702" name="図 701"/>
           <p:cNvPicPr>
             <a:picLocks noChangeAspect="1"/>
           </p:cNvPicPr>
@@ -8617,7 +8941,7 @@
       </p:pic>
       <p:pic>
         <p:nvPicPr>
-          <p:cNvPr id="237" name="図 236"/>
+          <p:cNvPr id="703" name="図 702"/>
           <p:cNvPicPr>
             <a:picLocks noChangeAspect="1"/>
           </p:cNvPicPr>
@@ -8641,7 +8965,7 @@
       </p:pic>
       <p:pic>
         <p:nvPicPr>
-          <p:cNvPr id="238" name="図 237"/>
+          <p:cNvPr id="704" name="図 703"/>
           <p:cNvPicPr>
             <a:picLocks noChangeAspect="1"/>
           </p:cNvPicPr>
@@ -8665,7 +8989,7 @@
       </p:pic>
       <p:pic>
         <p:nvPicPr>
-          <p:cNvPr id="239" name="図 238"/>
+          <p:cNvPr id="705" name="図 704"/>
           <p:cNvPicPr>
             <a:picLocks noChangeAspect="1"/>
           </p:cNvPicPr>
@@ -8689,7 +9013,7 @@
       </p:pic>
       <p:pic>
         <p:nvPicPr>
-          <p:cNvPr id="240" name="図 239"/>
+          <p:cNvPr id="706" name="図 705"/>
           <p:cNvPicPr>
             <a:picLocks noChangeAspect="1"/>
           </p:cNvPicPr>
@@ -8713,7 +9037,7 @@
       </p:pic>
       <p:pic>
         <p:nvPicPr>
-          <p:cNvPr id="241" name="図 240"/>
+          <p:cNvPr id="707" name="図 706"/>
           <p:cNvPicPr>
             <a:picLocks noChangeAspect="1"/>
           </p:cNvPicPr>
@@ -8737,7 +9061,7 @@
       </p:pic>
       <p:pic>
         <p:nvPicPr>
-          <p:cNvPr id="242" name="図 241"/>
+          <p:cNvPr id="708" name="図 707"/>
           <p:cNvPicPr>
             <a:picLocks noChangeAspect="1"/>
           </p:cNvPicPr>
@@ -8761,7 +9085,7 @@
       </p:pic>
       <p:pic>
         <p:nvPicPr>
-          <p:cNvPr id="243" name="図 242"/>
+          <p:cNvPr id="709" name="図 708"/>
           <p:cNvPicPr>
             <a:picLocks noChangeAspect="1"/>
           </p:cNvPicPr>
@@ -8785,7 +9109,7 @@
       </p:pic>
       <p:pic>
         <p:nvPicPr>
-          <p:cNvPr id="244" name="図 243"/>
+          <p:cNvPr id="710" name="図 709"/>
           <p:cNvPicPr>
             <a:picLocks noChangeAspect="1"/>
           </p:cNvPicPr>
@@ -8809,7 +9133,7 @@
       </p:pic>
       <p:pic>
         <p:nvPicPr>
-          <p:cNvPr id="245" name="図 244"/>
+          <p:cNvPr id="711" name="図 710"/>
           <p:cNvPicPr>
             <a:picLocks noChangeAspect="1"/>
           </p:cNvPicPr>
@@ -8833,7 +9157,7 @@
       </p:pic>
       <p:pic>
         <p:nvPicPr>
-          <p:cNvPr id="250" name="図 249"/>
+          <p:cNvPr id="712" name="図 711"/>
           <p:cNvPicPr>
             <a:picLocks noChangeAspect="1"/>
           </p:cNvPicPr>
@@ -8857,7 +9181,7 @@
       </p:pic>
       <p:pic>
         <p:nvPicPr>
-          <p:cNvPr id="251" name="図 250"/>
+          <p:cNvPr id="713" name="図 712"/>
           <p:cNvPicPr>
             <a:picLocks noChangeAspect="1"/>
           </p:cNvPicPr>
@@ -8871,7 +9195,7 @@
         </p:blipFill>
         <p:spPr>
           <a:xfrm>
-            <a:off x="8210720" y="3512813"/>
+            <a:off x="8236478" y="3512813"/>
             <a:ext cx="268247" cy="268247"/>
           </a:xfrm>
           <a:prstGeom prst="rect">
@@ -8881,7 +9205,7 @@
       </p:pic>
       <p:pic>
         <p:nvPicPr>
-          <p:cNvPr id="252" name="図 251"/>
+          <p:cNvPr id="714" name="図 713"/>
           <p:cNvPicPr>
             <a:picLocks noChangeAspect="1"/>
           </p:cNvPicPr>
@@ -8895,7 +9219,7 @@
         </p:blipFill>
         <p:spPr>
           <a:xfrm>
-            <a:off x="7982296" y="3512813"/>
+            <a:off x="7995175" y="3512813"/>
             <a:ext cx="268247" cy="268247"/>
           </a:xfrm>
           <a:prstGeom prst="rect">
@@ -8905,7 +9229,7 @@
       </p:pic>
       <p:pic>
         <p:nvPicPr>
-          <p:cNvPr id="253" name="図 252"/>
+          <p:cNvPr id="715" name="図 714"/>
           <p:cNvPicPr>
             <a:picLocks noChangeAspect="1"/>
           </p:cNvPicPr>
@@ -8929,7 +9253,7 @@
       </p:pic>
       <p:pic>
         <p:nvPicPr>
-          <p:cNvPr id="254" name="図 253"/>
+          <p:cNvPr id="716" name="図 715"/>
           <p:cNvPicPr>
             <a:picLocks noChangeAspect="1"/>
           </p:cNvPicPr>
@@ -8953,7 +9277,7 @@
       </p:pic>
       <p:pic>
         <p:nvPicPr>
-          <p:cNvPr id="255" name="図 254"/>
+          <p:cNvPr id="717" name="図 716"/>
           <p:cNvPicPr>
             <a:picLocks noChangeAspect="1"/>
           </p:cNvPicPr>
@@ -8977,7 +9301,7 @@
       </p:pic>
       <p:pic>
         <p:nvPicPr>
-          <p:cNvPr id="256" name="図 255"/>
+          <p:cNvPr id="718" name="図 717"/>
           <p:cNvPicPr>
             <a:picLocks noChangeAspect="1"/>
           </p:cNvPicPr>
@@ -9001,7 +9325,7 @@
       </p:pic>
       <p:pic>
         <p:nvPicPr>
-          <p:cNvPr id="265" name="図 264"/>
+          <p:cNvPr id="719" name="図 718"/>
           <p:cNvPicPr>
             <a:picLocks noChangeAspect="1"/>
           </p:cNvPicPr>
@@ -9025,7 +9349,7 @@
       </p:pic>
       <p:pic>
         <p:nvPicPr>
-          <p:cNvPr id="266" name="図 265"/>
+          <p:cNvPr id="720" name="図 719"/>
           <p:cNvPicPr>
             <a:picLocks noChangeAspect="1"/>
           </p:cNvPicPr>
@@ -9049,7 +9373,7 @@
       </p:pic>
       <p:pic>
         <p:nvPicPr>
-          <p:cNvPr id="278" name="図 277"/>
+          <p:cNvPr id="721" name="図 720"/>
           <p:cNvPicPr>
             <a:picLocks noChangeAspect="1"/>
           </p:cNvPicPr>
@@ -9073,7 +9397,7 @@
       </p:pic>
       <p:pic>
         <p:nvPicPr>
-          <p:cNvPr id="279" name="図 278"/>
+          <p:cNvPr id="722" name="図 721"/>
           <p:cNvPicPr>
             <a:picLocks noChangeAspect="1"/>
           </p:cNvPicPr>
@@ -9097,7 +9421,7 @@
       </p:pic>
       <p:pic>
         <p:nvPicPr>
-          <p:cNvPr id="280" name="図 279"/>
+          <p:cNvPr id="723" name="図 722"/>
           <p:cNvPicPr>
             <a:picLocks noChangeAspect="1"/>
           </p:cNvPicPr>
@@ -9121,7 +9445,7 @@
       </p:pic>
       <p:pic>
         <p:nvPicPr>
-          <p:cNvPr id="282" name="図 281"/>
+          <p:cNvPr id="724" name="図 723"/>
           <p:cNvPicPr>
             <a:picLocks noChangeAspect="1"/>
           </p:cNvPicPr>
@@ -9145,7 +9469,7 @@
       </p:pic>
       <p:pic>
         <p:nvPicPr>
-          <p:cNvPr id="283" name="図 282"/>
+          <p:cNvPr id="725" name="図 724"/>
           <p:cNvPicPr>
             <a:picLocks noChangeAspect="1"/>
           </p:cNvPicPr>
@@ -9169,7 +9493,7 @@
       </p:pic>
       <p:pic>
         <p:nvPicPr>
-          <p:cNvPr id="308" name="図 307"/>
+          <p:cNvPr id="726" name="図 725"/>
           <p:cNvPicPr>
             <a:picLocks noChangeAspect="1"/>
           </p:cNvPicPr>
@@ -9193,7 +9517,7 @@
       </p:pic>
       <p:pic>
         <p:nvPicPr>
-          <p:cNvPr id="309" name="図 308"/>
+          <p:cNvPr id="727" name="図 726"/>
           <p:cNvPicPr>
             <a:picLocks noChangeAspect="1"/>
           </p:cNvPicPr>
@@ -9217,7 +9541,7 @@
       </p:pic>
       <p:pic>
         <p:nvPicPr>
-          <p:cNvPr id="311" name="図 310"/>
+          <p:cNvPr id="728" name="図 727"/>
           <p:cNvPicPr>
             <a:picLocks noChangeAspect="1"/>
           </p:cNvPicPr>
@@ -9241,7 +9565,7 @@
       </p:pic>
       <p:pic>
         <p:nvPicPr>
-          <p:cNvPr id="317" name="図 316"/>
+          <p:cNvPr id="729" name="図 728"/>
           <p:cNvPicPr>
             <a:picLocks noChangeAspect="1"/>
           </p:cNvPicPr>
@@ -9255,7 +9579,7 @@
         </p:blipFill>
         <p:spPr>
           <a:xfrm>
-            <a:off x="4212865" y="3921957"/>
+            <a:off x="4174228" y="3921957"/>
             <a:ext cx="268247" cy="268247"/>
           </a:xfrm>
           <a:prstGeom prst="rect">
@@ -9265,7 +9589,7 @@
       </p:pic>
       <p:pic>
         <p:nvPicPr>
-          <p:cNvPr id="322" name="図 321"/>
+          <p:cNvPr id="730" name="図 729"/>
           <p:cNvPicPr>
             <a:picLocks noChangeAspect="1"/>
           </p:cNvPicPr>
@@ -9279,7 +9603,7 @@
         </p:blipFill>
         <p:spPr>
           <a:xfrm>
-            <a:off x="4200673" y="3219843"/>
+            <a:off x="4162036" y="3219843"/>
             <a:ext cx="292633" cy="298730"/>
           </a:xfrm>
           <a:prstGeom prst="rect">
@@ -9289,7 +9613,7 @@
       </p:pic>
       <p:pic>
         <p:nvPicPr>
-          <p:cNvPr id="326" name="図 325"/>
+          <p:cNvPr id="731" name="図 730"/>
           <p:cNvPicPr>
             <a:picLocks noChangeAspect="1"/>
           </p:cNvPicPr>
@@ -9303,7 +9627,7 @@
         </p:blipFill>
         <p:spPr>
           <a:xfrm>
-            <a:off x="4200673" y="3441871"/>
+            <a:off x="4162036" y="3441871"/>
             <a:ext cx="292633" cy="298730"/>
           </a:xfrm>
           <a:prstGeom prst="rect">
@@ -9313,7 +9637,7 @@
       </p:pic>
       <p:pic>
         <p:nvPicPr>
-          <p:cNvPr id="329" name="図 328"/>
+          <p:cNvPr id="732" name="図 731"/>
           <p:cNvPicPr>
             <a:picLocks noChangeAspect="1"/>
           </p:cNvPicPr>
@@ -9327,7 +9651,7 @@
         </p:blipFill>
         <p:spPr>
           <a:xfrm>
-            <a:off x="4200673" y="3663898"/>
+            <a:off x="4162036" y="3663898"/>
             <a:ext cx="292633" cy="298730"/>
           </a:xfrm>
           <a:prstGeom prst="rect">
@@ -9337,7 +9661,7 @@
       </p:pic>
       <p:pic>
         <p:nvPicPr>
-          <p:cNvPr id="340" name="図 339"/>
+          <p:cNvPr id="735" name="図 734"/>
           <p:cNvPicPr>
             <a:picLocks noChangeAspect="1"/>
           </p:cNvPicPr>
@@ -9351,7 +9675,7 @@
         </p:blipFill>
         <p:spPr>
           <a:xfrm>
-            <a:off x="4197601" y="4830673"/>
+            <a:off x="4158964" y="4830673"/>
             <a:ext cx="292633" cy="298730"/>
           </a:xfrm>
           <a:prstGeom prst="rect">
@@ -9361,7 +9685,7 @@
       </p:pic>
       <p:pic>
         <p:nvPicPr>
-          <p:cNvPr id="343" name="図 342"/>
+          <p:cNvPr id="736" name="図 735"/>
           <p:cNvPicPr>
             <a:picLocks noChangeAspect="1"/>
           </p:cNvPicPr>
@@ -9375,7 +9699,7 @@
         </p:blipFill>
         <p:spPr>
           <a:xfrm>
-            <a:off x="4197601" y="5048141"/>
+            <a:off x="4158964" y="5048141"/>
             <a:ext cx="292633" cy="298730"/>
           </a:xfrm>
           <a:prstGeom prst="rect">
@@ -9385,7 +9709,7 @@
       </p:pic>
       <p:pic>
         <p:nvPicPr>
-          <p:cNvPr id="356" name="図 355"/>
+          <p:cNvPr id="737" name="図 736"/>
           <p:cNvPicPr>
             <a:picLocks noChangeAspect="1"/>
           </p:cNvPicPr>
@@ -9399,7 +9723,7 @@
         </p:blipFill>
         <p:spPr>
           <a:xfrm>
-            <a:off x="4197601" y="5265609"/>
+            <a:off x="4158964" y="5265609"/>
             <a:ext cx="292633" cy="298730"/>
           </a:xfrm>
           <a:prstGeom prst="rect">
@@ -9409,7 +9733,7 @@
       </p:pic>
       <p:pic>
         <p:nvPicPr>
-          <p:cNvPr id="357" name="図 356"/>
+          <p:cNvPr id="738" name="図 737"/>
           <p:cNvPicPr>
             <a:picLocks noChangeAspect="1"/>
           </p:cNvPicPr>
@@ -9423,7 +9747,7 @@
         </p:blipFill>
         <p:spPr>
           <a:xfrm>
-            <a:off x="4197601" y="5483077"/>
+            <a:off x="4158964" y="5483077"/>
             <a:ext cx="292633" cy="298730"/>
           </a:xfrm>
           <a:prstGeom prst="rect">
@@ -9433,7 +9757,7 @@
       </p:pic>
       <p:pic>
         <p:nvPicPr>
-          <p:cNvPr id="358" name="図 357"/>
+          <p:cNvPr id="739" name="図 738"/>
           <p:cNvPicPr>
             <a:picLocks noChangeAspect="1"/>
           </p:cNvPicPr>
@@ -9447,7 +9771,7 @@
         </p:blipFill>
         <p:spPr>
           <a:xfrm>
-            <a:off x="4197601" y="5700545"/>
+            <a:off x="4158964" y="5700545"/>
             <a:ext cx="292633" cy="298730"/>
           </a:xfrm>
           <a:prstGeom prst="rect">
@@ -9457,7 +9781,7 @@
       </p:pic>
       <p:pic>
         <p:nvPicPr>
-          <p:cNvPr id="359" name="図 358"/>
+          <p:cNvPr id="740" name="図 739"/>
           <p:cNvPicPr>
             <a:picLocks noChangeAspect="1"/>
           </p:cNvPicPr>
@@ -9471,7 +9795,7 @@
         </p:blipFill>
         <p:spPr>
           <a:xfrm>
-            <a:off x="4197601" y="5918013"/>
+            <a:off x="4158964" y="5918013"/>
             <a:ext cx="292633" cy="298730"/>
           </a:xfrm>
           <a:prstGeom prst="rect">
@@ -9481,7 +9805,7 @@
       </p:pic>
       <p:pic>
         <p:nvPicPr>
-          <p:cNvPr id="360" name="図 359"/>
+          <p:cNvPr id="741" name="図 740"/>
           <p:cNvPicPr>
             <a:picLocks noChangeAspect="1"/>
           </p:cNvPicPr>
@@ -9495,7 +9819,7 @@
         </p:blipFill>
         <p:spPr>
           <a:xfrm>
-            <a:off x="4197601" y="6135481"/>
+            <a:off x="4158964" y="6135481"/>
             <a:ext cx="292633" cy="298730"/>
           </a:xfrm>
           <a:prstGeom prst="rect">
@@ -9505,7 +9829,7 @@
       </p:pic>
       <p:pic>
         <p:nvPicPr>
-          <p:cNvPr id="361" name="図 360"/>
+          <p:cNvPr id="742" name="図 741"/>
           <p:cNvPicPr>
             <a:picLocks noChangeAspect="1"/>
           </p:cNvPicPr>
@@ -9519,7 +9843,7 @@
         </p:blipFill>
         <p:spPr>
           <a:xfrm>
-            <a:off x="4197601" y="6352949"/>
+            <a:off x="4158964" y="6352949"/>
             <a:ext cx="292633" cy="298730"/>
           </a:xfrm>
           <a:prstGeom prst="rect">
@@ -9529,7 +9853,7 @@
       </p:pic>
       <p:pic>
         <p:nvPicPr>
-          <p:cNvPr id="362" name="図 361"/>
+          <p:cNvPr id="743" name="図 742"/>
           <p:cNvPicPr>
             <a:picLocks noChangeAspect="1"/>
           </p:cNvPicPr>
@@ -9543,7 +9867,7 @@
         </p:blipFill>
         <p:spPr>
           <a:xfrm>
-            <a:off x="4197601" y="6570417"/>
+            <a:off x="4158964" y="6570417"/>
             <a:ext cx="292633" cy="298730"/>
           </a:xfrm>
           <a:prstGeom prst="rect">
@@ -9553,7 +9877,7 @@
       </p:pic>
       <p:pic>
         <p:nvPicPr>
-          <p:cNvPr id="363" name="図 362"/>
+          <p:cNvPr id="744" name="図 743"/>
           <p:cNvPicPr>
             <a:picLocks noChangeAspect="1"/>
           </p:cNvPicPr>
@@ -9567,7 +9891,7 @@
         </p:blipFill>
         <p:spPr>
           <a:xfrm>
-            <a:off x="4438436" y="3280037"/>
+            <a:off x="4412678" y="3280037"/>
             <a:ext cx="298730" cy="292633"/>
           </a:xfrm>
           <a:prstGeom prst="rect">
@@ -9577,7 +9901,7 @@
       </p:pic>
       <p:pic>
         <p:nvPicPr>
-          <p:cNvPr id="364" name="図 363"/>
+          <p:cNvPr id="745" name="図 744"/>
           <p:cNvPicPr>
             <a:picLocks noChangeAspect="1"/>
           </p:cNvPicPr>
@@ -9601,7 +9925,7 @@
       </p:pic>
       <p:pic>
         <p:nvPicPr>
-          <p:cNvPr id="366" name="図 365"/>
+          <p:cNvPr id="746" name="図 745"/>
           <p:cNvPicPr>
             <a:picLocks noChangeAspect="1"/>
           </p:cNvPicPr>
@@ -9625,7 +9949,7 @@
       </p:pic>
       <p:pic>
         <p:nvPicPr>
-          <p:cNvPr id="367" name="図 366"/>
+          <p:cNvPr id="747" name="図 746"/>
           <p:cNvPicPr>
             <a:picLocks noChangeAspect="1"/>
           </p:cNvPicPr>
@@ -9649,7 +9973,7 @@
       </p:pic>
       <p:pic>
         <p:nvPicPr>
-          <p:cNvPr id="368" name="図 367"/>
+          <p:cNvPr id="748" name="図 747"/>
           <p:cNvPicPr>
             <a:picLocks noChangeAspect="1"/>
           </p:cNvPicPr>
@@ -9673,7 +9997,7 @@
       </p:pic>
       <p:pic>
         <p:nvPicPr>
-          <p:cNvPr id="369" name="図 368"/>
+          <p:cNvPr id="749" name="図 748"/>
           <p:cNvPicPr>
             <a:picLocks noChangeAspect="1"/>
           </p:cNvPicPr>
@@ -9697,7 +10021,7 @@
       </p:pic>
       <p:pic>
         <p:nvPicPr>
-          <p:cNvPr id="370" name="図 369"/>
+          <p:cNvPr id="750" name="図 749"/>
           <p:cNvPicPr>
             <a:picLocks noChangeAspect="1"/>
           </p:cNvPicPr>
@@ -9721,7 +10045,7 @@
       </p:pic>
       <p:pic>
         <p:nvPicPr>
-          <p:cNvPr id="371" name="図 370"/>
+          <p:cNvPr id="751" name="図 750"/>
           <p:cNvPicPr>
             <a:picLocks noChangeAspect="1"/>
           </p:cNvPicPr>
@@ -9745,7 +10069,7 @@
       </p:pic>
       <p:pic>
         <p:nvPicPr>
-          <p:cNvPr id="372" name="図 371"/>
+          <p:cNvPr id="752" name="図 751"/>
           <p:cNvPicPr>
             <a:picLocks noChangeAspect="1"/>
           </p:cNvPicPr>
@@ -9769,7 +10093,7 @@
       </p:pic>
       <p:pic>
         <p:nvPicPr>
-          <p:cNvPr id="373" name="図 372"/>
+          <p:cNvPr id="753" name="図 752"/>
           <p:cNvPicPr>
             <a:picLocks noChangeAspect="1"/>
           </p:cNvPicPr>
@@ -9793,7 +10117,7 @@
       </p:pic>
       <p:pic>
         <p:nvPicPr>
-          <p:cNvPr id="374" name="図 373"/>
+          <p:cNvPr id="754" name="図 753"/>
           <p:cNvPicPr>
             <a:picLocks noChangeAspect="1"/>
           </p:cNvPicPr>
@@ -9817,7 +10141,7 @@
       </p:pic>
       <p:pic>
         <p:nvPicPr>
-          <p:cNvPr id="375" name="図 374"/>
+          <p:cNvPr id="755" name="図 754"/>
           <p:cNvPicPr>
             <a:picLocks noChangeAspect="1"/>
           </p:cNvPicPr>
@@ -9841,7 +10165,7 @@
       </p:pic>
       <p:pic>
         <p:nvPicPr>
-          <p:cNvPr id="376" name="図 375"/>
+          <p:cNvPr id="756" name="図 755"/>
           <p:cNvPicPr>
             <a:picLocks noChangeAspect="1"/>
           </p:cNvPicPr>
@@ -9865,7 +10189,7 @@
       </p:pic>
       <p:pic>
         <p:nvPicPr>
-          <p:cNvPr id="377" name="図 376"/>
+          <p:cNvPr id="757" name="図 756"/>
           <p:cNvPicPr>
             <a:picLocks noChangeAspect="1"/>
           </p:cNvPicPr>
@@ -9889,7 +10213,7 @@
       </p:pic>
       <p:pic>
         <p:nvPicPr>
-          <p:cNvPr id="378" name="図 377"/>
+          <p:cNvPr id="758" name="図 757"/>
           <p:cNvPicPr>
             <a:picLocks noChangeAspect="1"/>
           </p:cNvPicPr>
@@ -9903,7 +10227,7 @@
         </p:blipFill>
         <p:spPr>
           <a:xfrm>
-            <a:off x="7944260" y="3277456"/>
+            <a:off x="7957139" y="3277456"/>
             <a:ext cx="298730" cy="292633"/>
           </a:xfrm>
           <a:prstGeom prst="rect">
@@ -9913,7 +10237,7 @@
       </p:pic>
       <p:pic>
         <p:nvPicPr>
-          <p:cNvPr id="379" name="図 378"/>
+          <p:cNvPr id="759" name="図 758"/>
           <p:cNvPicPr>
             <a:picLocks noChangeAspect="1"/>
           </p:cNvPicPr>
@@ -9927,7 +10251,7 @@
         </p:blipFill>
         <p:spPr>
           <a:xfrm>
-            <a:off x="8199736" y="3277456"/>
+            <a:off x="8225494" y="3277456"/>
             <a:ext cx="298730" cy="292633"/>
           </a:xfrm>
           <a:prstGeom prst="rect">
@@ -9937,7 +10261,7 @@
       </p:pic>
       <p:pic>
         <p:nvPicPr>
-          <p:cNvPr id="380" name="図 379"/>
+          <p:cNvPr id="760" name="図 759"/>
           <p:cNvPicPr>
             <a:picLocks noChangeAspect="1"/>
           </p:cNvPicPr>
@@ -9951,7 +10275,7 @@
         </p:blipFill>
         <p:spPr>
           <a:xfrm>
-            <a:off x="8480737" y="3227135"/>
+            <a:off x="8476949" y="3227135"/>
             <a:ext cx="292633" cy="298730"/>
           </a:xfrm>
           <a:prstGeom prst="rect">
@@ -9961,7 +10285,7 @@
       </p:pic>
       <p:pic>
         <p:nvPicPr>
-          <p:cNvPr id="381" name="図 380"/>
+          <p:cNvPr id="761" name="図 760"/>
           <p:cNvPicPr>
             <a:picLocks noChangeAspect="1"/>
           </p:cNvPicPr>
@@ -9975,7 +10299,7 @@
         </p:blipFill>
         <p:spPr>
           <a:xfrm>
-            <a:off x="8480737" y="3444603"/>
+            <a:off x="8476949" y="3444603"/>
             <a:ext cx="292633" cy="298730"/>
           </a:xfrm>
           <a:prstGeom prst="rect">
@@ -9985,7 +10309,7 @@
       </p:pic>
       <p:pic>
         <p:nvPicPr>
-          <p:cNvPr id="382" name="図 381"/>
+          <p:cNvPr id="762" name="図 761"/>
           <p:cNvPicPr>
             <a:picLocks noChangeAspect="1"/>
           </p:cNvPicPr>
@@ -9999,7 +10323,7 @@
         </p:blipFill>
         <p:spPr>
           <a:xfrm>
-            <a:off x="8480737" y="3662071"/>
+            <a:off x="8476949" y="3662071"/>
             <a:ext cx="292633" cy="298730"/>
           </a:xfrm>
           <a:prstGeom prst="rect">
@@ -10009,7 +10333,7 @@
       </p:pic>
       <p:pic>
         <p:nvPicPr>
-          <p:cNvPr id="383" name="図 382"/>
+          <p:cNvPr id="763" name="図 762"/>
           <p:cNvPicPr>
             <a:picLocks noChangeAspect="1"/>
           </p:cNvPicPr>
@@ -10023,7 +10347,7 @@
         </p:blipFill>
         <p:spPr>
           <a:xfrm>
-            <a:off x="8480737" y="3879539"/>
+            <a:off x="8476949" y="3879539"/>
             <a:ext cx="292633" cy="298730"/>
           </a:xfrm>
           <a:prstGeom prst="rect">
@@ -10033,7 +10357,7 @@
       </p:pic>
       <p:pic>
         <p:nvPicPr>
-          <p:cNvPr id="384" name="図 383"/>
+          <p:cNvPr id="764" name="図 763"/>
           <p:cNvPicPr>
             <a:picLocks noChangeAspect="1"/>
           </p:cNvPicPr>
@@ -10047,7 +10371,7 @@
         </p:blipFill>
         <p:spPr>
           <a:xfrm>
-            <a:off x="8480737" y="4097007"/>
+            <a:off x="8476949" y="4097007"/>
             <a:ext cx="292633" cy="298730"/>
           </a:xfrm>
           <a:prstGeom prst="rect">
@@ -10057,7 +10381,7 @@
       </p:pic>
       <p:pic>
         <p:nvPicPr>
-          <p:cNvPr id="385" name="図 384"/>
+          <p:cNvPr id="765" name="図 764"/>
           <p:cNvPicPr>
             <a:picLocks noChangeAspect="1"/>
           </p:cNvPicPr>
@@ -10071,7 +10395,7 @@
         </p:blipFill>
         <p:spPr>
           <a:xfrm>
-            <a:off x="8480737" y="4314475"/>
+            <a:off x="8476949" y="4314475"/>
             <a:ext cx="292633" cy="298730"/>
           </a:xfrm>
           <a:prstGeom prst="rect">
@@ -10081,7 +10405,7 @@
       </p:pic>
       <p:pic>
         <p:nvPicPr>
-          <p:cNvPr id="386" name="図 385"/>
+          <p:cNvPr id="766" name="図 765"/>
           <p:cNvPicPr>
             <a:picLocks noChangeAspect="1"/>
           </p:cNvPicPr>
@@ -10095,7 +10419,7 @@
         </p:blipFill>
         <p:spPr>
           <a:xfrm>
-            <a:off x="8480737" y="4531943"/>
+            <a:off x="8476949" y="4531943"/>
             <a:ext cx="292633" cy="298730"/>
           </a:xfrm>
           <a:prstGeom prst="rect">
@@ -10105,7 +10429,7 @@
       </p:pic>
       <p:pic>
         <p:nvPicPr>
-          <p:cNvPr id="387" name="図 386"/>
+          <p:cNvPr id="767" name="図 766"/>
           <p:cNvPicPr>
             <a:picLocks noChangeAspect="1"/>
           </p:cNvPicPr>
@@ -10119,7 +10443,7 @@
         </p:blipFill>
         <p:spPr>
           <a:xfrm>
-            <a:off x="8480737" y="4749411"/>
+            <a:off x="8476949" y="4749411"/>
             <a:ext cx="292633" cy="298730"/>
           </a:xfrm>
           <a:prstGeom prst="rect">
@@ -10129,7 +10453,7 @@
       </p:pic>
       <p:pic>
         <p:nvPicPr>
-          <p:cNvPr id="388" name="図 387"/>
+          <p:cNvPr id="768" name="図 767"/>
           <p:cNvPicPr>
             <a:picLocks noChangeAspect="1"/>
           </p:cNvPicPr>
@@ -10143,7 +10467,7 @@
         </p:blipFill>
         <p:spPr>
           <a:xfrm>
-            <a:off x="8480737" y="4978187"/>
+            <a:off x="8476949" y="4978187"/>
             <a:ext cx="292633" cy="298730"/>
           </a:xfrm>
           <a:prstGeom prst="rect">
@@ -10153,7 +10477,7 @@
       </p:pic>
       <p:pic>
         <p:nvPicPr>
-          <p:cNvPr id="390" name="図 389"/>
+          <p:cNvPr id="770" name="図 769"/>
           <p:cNvPicPr>
             <a:picLocks noChangeAspect="1"/>
           </p:cNvPicPr>
@@ -10177,7 +10501,7 @@
       </p:pic>
       <p:pic>
         <p:nvPicPr>
-          <p:cNvPr id="391" name="図 390"/>
+          <p:cNvPr id="771" name="図 770"/>
           <p:cNvPicPr>
             <a:picLocks noChangeAspect="1"/>
           </p:cNvPicPr>
@@ -10201,7 +10525,7 @@
       </p:pic>
       <p:pic>
         <p:nvPicPr>
-          <p:cNvPr id="395" name="図 394"/>
+          <p:cNvPr id="772" name="図 771"/>
           <p:cNvPicPr>
             <a:picLocks noChangeAspect="1"/>
           </p:cNvPicPr>
@@ -10225,7 +10549,7 @@
       </p:pic>
       <p:pic>
         <p:nvPicPr>
-          <p:cNvPr id="396" name="図 395"/>
+          <p:cNvPr id="773" name="図 772"/>
           <p:cNvPicPr>
             <a:picLocks noChangeAspect="1"/>
           </p:cNvPicPr>
@@ -10249,7 +10573,7 @@
       </p:pic>
       <p:pic>
         <p:nvPicPr>
-          <p:cNvPr id="397" name="図 396"/>
+          <p:cNvPr id="774" name="図 773"/>
           <p:cNvPicPr>
             <a:picLocks noChangeAspect="1"/>
           </p:cNvPicPr>
@@ -10273,7 +10597,7 @@
       </p:pic>
       <p:pic>
         <p:nvPicPr>
-          <p:cNvPr id="398" name="図 397"/>
+          <p:cNvPr id="775" name="図 774"/>
           <p:cNvPicPr>
             <a:picLocks noChangeAspect="1"/>
           </p:cNvPicPr>
@@ -10297,7 +10621,7 @@
       </p:pic>
       <p:pic>
         <p:nvPicPr>
-          <p:cNvPr id="399" name="図 398"/>
+          <p:cNvPr id="776" name="図 775"/>
           <p:cNvPicPr>
             <a:picLocks noChangeAspect="1"/>
           </p:cNvPicPr>
@@ -10321,7 +10645,7 @@
       </p:pic>
       <p:pic>
         <p:nvPicPr>
-          <p:cNvPr id="402" name="図 401"/>
+          <p:cNvPr id="777" name="図 776"/>
           <p:cNvPicPr>
             <a:picLocks noChangeAspect="1"/>
           </p:cNvPicPr>
@@ -10345,7 +10669,7 @@
       </p:pic>
       <p:pic>
         <p:nvPicPr>
-          <p:cNvPr id="403" name="図 402"/>
+          <p:cNvPr id="778" name="図 777"/>
           <p:cNvPicPr>
             <a:picLocks noChangeAspect="1"/>
           </p:cNvPicPr>
@@ -10369,7 +10693,7 @@
       </p:pic>
       <p:pic>
         <p:nvPicPr>
-          <p:cNvPr id="404" name="図 403"/>
+          <p:cNvPr id="779" name="図 778"/>
           <p:cNvPicPr>
             <a:picLocks noChangeAspect="1"/>
           </p:cNvPicPr>
@@ -10393,7 +10717,7 @@
       </p:pic>
       <p:pic>
         <p:nvPicPr>
-          <p:cNvPr id="405" name="図 404"/>
+          <p:cNvPr id="780" name="図 779"/>
           <p:cNvPicPr>
             <a:picLocks noChangeAspect="1"/>
           </p:cNvPicPr>
@@ -10417,7 +10741,7 @@
       </p:pic>
       <p:pic>
         <p:nvPicPr>
-          <p:cNvPr id="406" name="図 405"/>
+          <p:cNvPr id="781" name="図 780"/>
           <p:cNvPicPr>
             <a:picLocks noChangeAspect="1"/>
           </p:cNvPicPr>
@@ -10441,7 +10765,7 @@
       </p:pic>
       <p:pic>
         <p:nvPicPr>
-          <p:cNvPr id="407" name="図 406"/>
+          <p:cNvPr id="782" name="図 781"/>
           <p:cNvPicPr>
             <a:picLocks noChangeAspect="1"/>
           </p:cNvPicPr>
@@ -10465,7 +10789,7 @@
       </p:pic>
       <p:pic>
         <p:nvPicPr>
-          <p:cNvPr id="408" name="図 407"/>
+          <p:cNvPr id="783" name="図 782"/>
           <p:cNvPicPr>
             <a:picLocks noChangeAspect="1"/>
           </p:cNvPicPr>
@@ -10489,7 +10813,7 @@
       </p:pic>
       <p:pic>
         <p:nvPicPr>
-          <p:cNvPr id="412" name="図 411"/>
+          <p:cNvPr id="785" name="図 784"/>
           <p:cNvPicPr>
             <a:picLocks noChangeAspect="1"/>
           </p:cNvPicPr>
@@ -10513,7 +10837,7 @@
       </p:pic>
       <p:pic>
         <p:nvPicPr>
-          <p:cNvPr id="413" name="図 412"/>
+          <p:cNvPr id="786" name="図 785"/>
           <p:cNvPicPr>
             <a:picLocks noChangeAspect="1"/>
           </p:cNvPicPr>
@@ -10537,7 +10861,7 @@
       </p:pic>
       <p:pic>
         <p:nvPicPr>
-          <p:cNvPr id="415" name="図 414"/>
+          <p:cNvPr id="787" name="図 786"/>
           <p:cNvPicPr>
             <a:picLocks noChangeAspect="1"/>
           </p:cNvPicPr>
@@ -10561,7 +10885,7 @@
       </p:pic>
       <p:pic>
         <p:nvPicPr>
-          <p:cNvPr id="416" name="図 415"/>
+          <p:cNvPr id="788" name="図 787"/>
           <p:cNvPicPr>
             <a:picLocks noChangeAspect="1"/>
           </p:cNvPicPr>
@@ -10585,7 +10909,7 @@
       </p:pic>
       <p:pic>
         <p:nvPicPr>
-          <p:cNvPr id="417" name="図 416"/>
+          <p:cNvPr id="789" name="図 788"/>
           <p:cNvPicPr>
             <a:picLocks noChangeAspect="1"/>
           </p:cNvPicPr>
@@ -10609,7 +10933,7 @@
       </p:pic>
       <p:pic>
         <p:nvPicPr>
-          <p:cNvPr id="418" name="図 417"/>
+          <p:cNvPr id="790" name="図 789"/>
           <p:cNvPicPr>
             <a:picLocks noChangeAspect="1"/>
           </p:cNvPicPr>
@@ -10633,7 +10957,7 @@
       </p:pic>
       <p:pic>
         <p:nvPicPr>
-          <p:cNvPr id="419" name="図 418"/>
+          <p:cNvPr id="791" name="図 790"/>
           <p:cNvPicPr>
             <a:picLocks noChangeAspect="1"/>
           </p:cNvPicPr>
@@ -10657,7 +10981,7 @@
       </p:pic>
       <p:pic>
         <p:nvPicPr>
-          <p:cNvPr id="420" name="図 419"/>
+          <p:cNvPr id="792" name="図 791"/>
           <p:cNvPicPr>
             <a:picLocks noChangeAspect="1"/>
           </p:cNvPicPr>
@@ -10681,7 +11005,7 @@
       </p:pic>
       <p:pic>
         <p:nvPicPr>
-          <p:cNvPr id="421" name="図 420"/>
+          <p:cNvPr id="793" name="図 792"/>
           <p:cNvPicPr>
             <a:picLocks noChangeAspect="1"/>
           </p:cNvPicPr>
@@ -10695,7 +11019,7 @@
         </p:blipFill>
         <p:spPr>
           <a:xfrm>
-            <a:off x="9877651" y="4755101"/>
+            <a:off x="9918053" y="4755101"/>
             <a:ext cx="292633" cy="298730"/>
           </a:xfrm>
           <a:prstGeom prst="rect">
@@ -10705,7 +11029,7 @@
       </p:pic>
       <p:pic>
         <p:nvPicPr>
-          <p:cNvPr id="422" name="図 421"/>
+          <p:cNvPr id="794" name="図 793"/>
           <p:cNvPicPr>
             <a:picLocks noChangeAspect="1"/>
           </p:cNvPicPr>
@@ -10719,7 +11043,7 @@
         </p:blipFill>
         <p:spPr>
           <a:xfrm>
-            <a:off x="9877651" y="4985448"/>
+            <a:off x="9918053" y="4985448"/>
             <a:ext cx="292633" cy="298730"/>
           </a:xfrm>
           <a:prstGeom prst="rect">
@@ -10729,7 +11053,7 @@
       </p:pic>
       <p:pic>
         <p:nvPicPr>
-          <p:cNvPr id="423" name="図 422"/>
+          <p:cNvPr id="795" name="図 794"/>
           <p:cNvPicPr>
             <a:picLocks noChangeAspect="1"/>
           </p:cNvPicPr>
@@ -10743,7 +11067,7 @@
         </p:blipFill>
         <p:spPr>
           <a:xfrm>
-            <a:off x="9877651" y="5202916"/>
+            <a:off x="9918053" y="5202916"/>
             <a:ext cx="292633" cy="298730"/>
           </a:xfrm>
           <a:prstGeom prst="rect">
@@ -10753,7 +11077,7 @@
       </p:pic>
       <p:pic>
         <p:nvPicPr>
-          <p:cNvPr id="424" name="図 423"/>
+          <p:cNvPr id="796" name="図 795"/>
           <p:cNvPicPr>
             <a:picLocks noChangeAspect="1"/>
           </p:cNvPicPr>
@@ -10767,7 +11091,7 @@
         </p:blipFill>
         <p:spPr>
           <a:xfrm>
-            <a:off x="9877651" y="5433263"/>
+            <a:off x="9918053" y="5433263"/>
             <a:ext cx="292633" cy="298730"/>
           </a:xfrm>
           <a:prstGeom prst="rect">
@@ -10777,7 +11101,7 @@
       </p:pic>
       <p:pic>
         <p:nvPicPr>
-          <p:cNvPr id="425" name="図 424"/>
+          <p:cNvPr id="797" name="図 796"/>
           <p:cNvPicPr>
             <a:picLocks noChangeAspect="1"/>
           </p:cNvPicPr>
@@ -10791,7 +11115,7 @@
         </p:blipFill>
         <p:spPr>
           <a:xfrm>
-            <a:off x="9877651" y="5650731"/>
+            <a:off x="9918053" y="5650731"/>
             <a:ext cx="292633" cy="298730"/>
           </a:xfrm>
           <a:prstGeom prst="rect">
@@ -10801,7 +11125,7 @@
       </p:pic>
       <p:pic>
         <p:nvPicPr>
-          <p:cNvPr id="426" name="図 425"/>
+          <p:cNvPr id="798" name="図 797"/>
           <p:cNvPicPr>
             <a:picLocks noChangeAspect="1"/>
           </p:cNvPicPr>
@@ -10815,7 +11139,7 @@
         </p:blipFill>
         <p:spPr>
           <a:xfrm>
-            <a:off x="9877651" y="5868199"/>
+            <a:off x="9918053" y="5868199"/>
             <a:ext cx="292633" cy="298730"/>
           </a:xfrm>
           <a:prstGeom prst="rect">
@@ -10825,7 +11149,7 @@
       </p:pic>
       <p:pic>
         <p:nvPicPr>
-          <p:cNvPr id="427" name="図 426"/>
+          <p:cNvPr id="799" name="図 798"/>
           <p:cNvPicPr>
             <a:picLocks noChangeAspect="1"/>
           </p:cNvPicPr>
@@ -10839,7 +11163,7 @@
         </p:blipFill>
         <p:spPr>
           <a:xfrm>
-            <a:off x="9877651" y="6098826"/>
+            <a:off x="9918053" y="6098826"/>
             <a:ext cx="292633" cy="298730"/>
           </a:xfrm>
           <a:prstGeom prst="rect">
@@ -10849,7 +11173,7 @@
       </p:pic>
       <p:pic>
         <p:nvPicPr>
-          <p:cNvPr id="428" name="図 427"/>
+          <p:cNvPr id="800" name="図 799"/>
           <p:cNvPicPr>
             <a:picLocks noChangeAspect="1"/>
           </p:cNvPicPr>
@@ -10863,7 +11187,7 @@
         </p:blipFill>
         <p:spPr>
           <a:xfrm>
-            <a:off x="9877651" y="6316294"/>
+            <a:off x="9918053" y="6316294"/>
             <a:ext cx="292633" cy="298730"/>
           </a:xfrm>
           <a:prstGeom prst="rect">
@@ -10873,7 +11197,7 @@
       </p:pic>
       <p:pic>
         <p:nvPicPr>
-          <p:cNvPr id="429" name="図 428"/>
+          <p:cNvPr id="801" name="図 800"/>
           <p:cNvPicPr>
             <a:picLocks noChangeAspect="1"/>
           </p:cNvPicPr>
@@ -10886,17 +11210,17 @@
         </p:blipFill>
         <p:spPr>
           <a:xfrm rot="16200000">
-            <a:off x="10160716" y="4829081"/>
-            <a:ext cx="2038483" cy="2019347"/>
-          </a:xfrm>
-          <a:prstGeom prst="rect">
-            <a:avLst/>
-          </a:prstGeom>
-        </p:spPr>
-      </p:pic>
-      <p:pic>
-        <p:nvPicPr>
-          <p:cNvPr id="431" name="図 430"/>
+            <a:off x="10186474" y="4854838"/>
+            <a:ext cx="2038483" cy="1967831"/>
+          </a:xfrm>
+          <a:prstGeom prst="rect">
+            <a:avLst/>
+          </a:prstGeom>
+        </p:spPr>
+      </p:pic>
+      <p:pic>
+        <p:nvPicPr>
+          <p:cNvPr id="803" name="図 802"/>
           <p:cNvPicPr>
             <a:picLocks noChangeAspect="1"/>
           </p:cNvPicPr>
@@ -10910,7 +11234,7 @@
         </p:blipFill>
         <p:spPr>
           <a:xfrm>
-            <a:off x="8465332" y="6122039"/>
+            <a:off x="8461544" y="6122039"/>
             <a:ext cx="292633" cy="298730"/>
           </a:xfrm>
           <a:prstGeom prst="rect">
@@ -10920,7 +11244,7 @@
       </p:pic>
       <p:pic>
         <p:nvPicPr>
-          <p:cNvPr id="432" name="図 431"/>
+          <p:cNvPr id="804" name="図 803"/>
           <p:cNvPicPr>
             <a:picLocks noChangeAspect="1"/>
           </p:cNvPicPr>
@@ -10934,7 +11258,7 @@
         </p:blipFill>
         <p:spPr>
           <a:xfrm>
-            <a:off x="8465332" y="6339507"/>
+            <a:off x="8461544" y="6339507"/>
             <a:ext cx="292633" cy="298730"/>
           </a:xfrm>
           <a:prstGeom prst="rect">
@@ -10944,7 +11268,7 @@
       </p:pic>
       <p:pic>
         <p:nvPicPr>
-          <p:cNvPr id="433" name="図 432"/>
+          <p:cNvPr id="805" name="図 804"/>
           <p:cNvPicPr>
             <a:picLocks noChangeAspect="1"/>
           </p:cNvPicPr>
@@ -10958,7 +11282,7 @@
         </p:blipFill>
         <p:spPr>
           <a:xfrm>
-            <a:off x="8465332" y="6556975"/>
+            <a:off x="8461544" y="6556975"/>
             <a:ext cx="292633" cy="298730"/>
           </a:xfrm>
           <a:prstGeom prst="rect">
@@ -10968,7 +11292,7 @@
       </p:pic>
       <p:pic>
         <p:nvPicPr>
-          <p:cNvPr id="451" name="図 450"/>
+          <p:cNvPr id="823" name="図 822"/>
           <p:cNvPicPr>
             <a:picLocks noChangeAspect="1"/>
           </p:cNvPicPr>
@@ -10982,7 +11306,7 @@
         </p:blipFill>
         <p:spPr>
           <a:xfrm>
-            <a:off x="11726426" y="4563598"/>
+            <a:off x="11726426" y="4589356"/>
             <a:ext cx="268247" cy="268247"/>
           </a:xfrm>
           <a:prstGeom prst="rect">
@@ -10992,7 +11316,7 @@
       </p:pic>
       <p:pic>
         <p:nvPicPr>
-          <p:cNvPr id="452" name="図 451"/>
+          <p:cNvPr id="824" name="図 823"/>
           <p:cNvPicPr>
             <a:picLocks noChangeAspect="1"/>
           </p:cNvPicPr>
@@ -11006,7 +11330,7 @@
         </p:blipFill>
         <p:spPr>
           <a:xfrm>
-            <a:off x="11696557" y="4328241"/>
+            <a:off x="11696557" y="4353999"/>
             <a:ext cx="298730" cy="292633"/>
           </a:xfrm>
           <a:prstGeom prst="rect">
@@ -11016,7 +11340,7 @@
       </p:pic>
       <p:pic>
         <p:nvPicPr>
-          <p:cNvPr id="458" name="図 457"/>
+          <p:cNvPr id="830" name="図 829"/>
           <p:cNvPicPr>
             <a:picLocks noChangeAspect="1"/>
           </p:cNvPicPr>
@@ -11030,7 +11354,7 @@
         </p:blipFill>
         <p:spPr>
           <a:xfrm>
-            <a:off x="11930690" y="4562426"/>
+            <a:off x="11930690" y="4588184"/>
             <a:ext cx="268247" cy="268247"/>
           </a:xfrm>
           <a:prstGeom prst="rect">
@@ -11040,7 +11364,7 @@
       </p:pic>
       <p:pic>
         <p:nvPicPr>
-          <p:cNvPr id="459" name="図 458"/>
+          <p:cNvPr id="831" name="図 830"/>
           <p:cNvPicPr>
             <a:picLocks noChangeAspect="1"/>
           </p:cNvPicPr>
@@ -11054,7 +11378,7 @@
         </p:blipFill>
         <p:spPr>
           <a:xfrm>
-            <a:off x="11900821" y="4327069"/>
+            <a:off x="11900821" y="4352827"/>
             <a:ext cx="298730" cy="292633"/>
           </a:xfrm>
           <a:prstGeom prst="rect">
@@ -11064,7 +11388,7 @@
       </p:pic>
       <p:pic>
         <p:nvPicPr>
-          <p:cNvPr id="463" name="図 462"/>
+          <p:cNvPr id="835" name="図 834"/>
           <p:cNvPicPr>
             <a:picLocks noChangeAspect="1"/>
           </p:cNvPicPr>
@@ -11078,7 +11402,7 @@
         </p:blipFill>
         <p:spPr>
           <a:xfrm>
-            <a:off x="9877651" y="6546391"/>
+            <a:off x="9918053" y="6546391"/>
             <a:ext cx="292633" cy="298730"/>
           </a:xfrm>
           <a:prstGeom prst="rect">
